--- a/documents/presentations/1st presentation.pptx
+++ b/documents/presentations/1st presentation.pptx
@@ -65,9 +65,9 @@
         </a:solidFill>
         <a:effectLst/>
         <a:uFillTx/>
-        <a:latin typeface="+mn-lt"/>
-        <a:ea typeface="+mn-ea"/>
-        <a:cs typeface="+mn-cs"/>
+        <a:latin typeface="Papyrus"/>
+        <a:ea typeface="Papyrus"/>
+        <a:cs typeface="Papyrus"/>
         <a:sym typeface="Papyrus"/>
       </a:defRPr>
     </a:lvl1pPr>
@@ -95,9 +95,9 @@
         </a:solidFill>
         <a:effectLst/>
         <a:uFillTx/>
-        <a:latin typeface="+mn-lt"/>
-        <a:ea typeface="+mn-ea"/>
-        <a:cs typeface="+mn-cs"/>
+        <a:latin typeface="Papyrus"/>
+        <a:ea typeface="Papyrus"/>
+        <a:cs typeface="Papyrus"/>
         <a:sym typeface="Papyrus"/>
       </a:defRPr>
     </a:lvl2pPr>
@@ -125,9 +125,9 @@
         </a:solidFill>
         <a:effectLst/>
         <a:uFillTx/>
-        <a:latin typeface="+mn-lt"/>
-        <a:ea typeface="+mn-ea"/>
-        <a:cs typeface="+mn-cs"/>
+        <a:latin typeface="Papyrus"/>
+        <a:ea typeface="Papyrus"/>
+        <a:cs typeface="Papyrus"/>
         <a:sym typeface="Papyrus"/>
       </a:defRPr>
     </a:lvl3pPr>
@@ -155,9 +155,9 @@
         </a:solidFill>
         <a:effectLst/>
         <a:uFillTx/>
-        <a:latin typeface="+mn-lt"/>
-        <a:ea typeface="+mn-ea"/>
-        <a:cs typeface="+mn-cs"/>
+        <a:latin typeface="Papyrus"/>
+        <a:ea typeface="Papyrus"/>
+        <a:cs typeface="Papyrus"/>
         <a:sym typeface="Papyrus"/>
       </a:defRPr>
     </a:lvl4pPr>
@@ -185,9 +185,9 @@
         </a:solidFill>
         <a:effectLst/>
         <a:uFillTx/>
-        <a:latin typeface="+mn-lt"/>
-        <a:ea typeface="+mn-ea"/>
-        <a:cs typeface="+mn-cs"/>
+        <a:latin typeface="Papyrus"/>
+        <a:ea typeface="Papyrus"/>
+        <a:cs typeface="Papyrus"/>
         <a:sym typeface="Papyrus"/>
       </a:defRPr>
     </a:lvl5pPr>
@@ -215,9 +215,9 @@
         </a:solidFill>
         <a:effectLst/>
         <a:uFillTx/>
-        <a:latin typeface="+mn-lt"/>
-        <a:ea typeface="+mn-ea"/>
-        <a:cs typeface="+mn-cs"/>
+        <a:latin typeface="Papyrus"/>
+        <a:ea typeface="Papyrus"/>
+        <a:cs typeface="Papyrus"/>
         <a:sym typeface="Papyrus"/>
       </a:defRPr>
     </a:lvl6pPr>
@@ -245,9 +245,9 @@
         </a:solidFill>
         <a:effectLst/>
         <a:uFillTx/>
-        <a:latin typeface="+mn-lt"/>
-        <a:ea typeface="+mn-ea"/>
-        <a:cs typeface="+mn-cs"/>
+        <a:latin typeface="Papyrus"/>
+        <a:ea typeface="Papyrus"/>
+        <a:cs typeface="Papyrus"/>
         <a:sym typeface="Papyrus"/>
       </a:defRPr>
     </a:lvl7pPr>
@@ -275,9 +275,9 @@
         </a:solidFill>
         <a:effectLst/>
         <a:uFillTx/>
-        <a:latin typeface="+mn-lt"/>
-        <a:ea typeface="+mn-ea"/>
-        <a:cs typeface="+mn-cs"/>
+        <a:latin typeface="Papyrus"/>
+        <a:ea typeface="Papyrus"/>
+        <a:cs typeface="Papyrus"/>
         <a:sym typeface="Papyrus"/>
       </a:defRPr>
     </a:lvl8pPr>
@@ -305,9 +305,9 @@
         </a:solidFill>
         <a:effectLst/>
         <a:uFillTx/>
-        <a:latin typeface="+mn-lt"/>
-        <a:ea typeface="+mn-ea"/>
-        <a:cs typeface="+mn-cs"/>
+        <a:latin typeface="Papyrus"/>
+        <a:ea typeface="Papyrus"/>
+        <a:cs typeface="Papyrus"/>
         <a:sym typeface="Papyrus"/>
       </a:defRPr>
     </a:lvl9pPr>
@@ -395,9 +395,9 @@
         <a:spcPct val="117999"/>
       </a:lnSpc>
       <a:defRPr sz="2200">
-        <a:latin typeface="Helvetica Neue"/>
-        <a:ea typeface="Helvetica Neue"/>
-        <a:cs typeface="Helvetica Neue"/>
+        <a:latin typeface="+mj-lt"/>
+        <a:ea typeface="+mj-ea"/>
+        <a:cs typeface="+mj-cs"/>
         <a:sym typeface="Helvetica Neue"/>
       </a:defRPr>
     </a:lvl1pPr>
@@ -406,9 +406,9 @@
         <a:spcPct val="117999"/>
       </a:lnSpc>
       <a:defRPr sz="2200">
-        <a:latin typeface="Helvetica Neue"/>
-        <a:ea typeface="Helvetica Neue"/>
-        <a:cs typeface="Helvetica Neue"/>
+        <a:latin typeface="+mj-lt"/>
+        <a:ea typeface="+mj-ea"/>
+        <a:cs typeface="+mj-cs"/>
         <a:sym typeface="Helvetica Neue"/>
       </a:defRPr>
     </a:lvl2pPr>
@@ -417,9 +417,9 @@
         <a:spcPct val="117999"/>
       </a:lnSpc>
       <a:defRPr sz="2200">
-        <a:latin typeface="Helvetica Neue"/>
-        <a:ea typeface="Helvetica Neue"/>
-        <a:cs typeface="Helvetica Neue"/>
+        <a:latin typeface="+mj-lt"/>
+        <a:ea typeface="+mj-ea"/>
+        <a:cs typeface="+mj-cs"/>
         <a:sym typeface="Helvetica Neue"/>
       </a:defRPr>
     </a:lvl3pPr>
@@ -428,9 +428,9 @@
         <a:spcPct val="117999"/>
       </a:lnSpc>
       <a:defRPr sz="2200">
-        <a:latin typeface="Helvetica Neue"/>
-        <a:ea typeface="Helvetica Neue"/>
-        <a:cs typeface="Helvetica Neue"/>
+        <a:latin typeface="+mj-lt"/>
+        <a:ea typeface="+mj-ea"/>
+        <a:cs typeface="+mj-cs"/>
         <a:sym typeface="Helvetica Neue"/>
       </a:defRPr>
     </a:lvl4pPr>
@@ -439,9 +439,9 @@
         <a:spcPct val="117999"/>
       </a:lnSpc>
       <a:defRPr sz="2200">
-        <a:latin typeface="Helvetica Neue"/>
-        <a:ea typeface="Helvetica Neue"/>
-        <a:cs typeface="Helvetica Neue"/>
+        <a:latin typeface="+mj-lt"/>
+        <a:ea typeface="+mj-ea"/>
+        <a:cs typeface="+mj-cs"/>
         <a:sym typeface="Helvetica Neue"/>
       </a:defRPr>
     </a:lvl5pPr>
@@ -450,9 +450,9 @@
         <a:spcPct val="117999"/>
       </a:lnSpc>
       <a:defRPr sz="2200">
-        <a:latin typeface="Helvetica Neue"/>
-        <a:ea typeface="Helvetica Neue"/>
-        <a:cs typeface="Helvetica Neue"/>
+        <a:latin typeface="+mj-lt"/>
+        <a:ea typeface="+mj-ea"/>
+        <a:cs typeface="+mj-cs"/>
         <a:sym typeface="Helvetica Neue"/>
       </a:defRPr>
     </a:lvl6pPr>
@@ -461,9 +461,9 @@
         <a:spcPct val="117999"/>
       </a:lnSpc>
       <a:defRPr sz="2200">
-        <a:latin typeface="Helvetica Neue"/>
-        <a:ea typeface="Helvetica Neue"/>
-        <a:cs typeface="Helvetica Neue"/>
+        <a:latin typeface="+mj-lt"/>
+        <a:ea typeface="+mj-ea"/>
+        <a:cs typeface="+mj-cs"/>
         <a:sym typeface="Helvetica Neue"/>
       </a:defRPr>
     </a:lvl7pPr>
@@ -472,9 +472,9 @@
         <a:spcPct val="117999"/>
       </a:lnSpc>
       <a:defRPr sz="2200">
-        <a:latin typeface="Helvetica Neue"/>
-        <a:ea typeface="Helvetica Neue"/>
-        <a:cs typeface="Helvetica Neue"/>
+        <a:latin typeface="+mj-lt"/>
+        <a:ea typeface="+mj-ea"/>
+        <a:cs typeface="+mj-cs"/>
         <a:sym typeface="Helvetica Neue"/>
       </a:defRPr>
     </a:lvl8pPr>
@@ -483,9 +483,9 @@
         <a:spcPct val="117999"/>
       </a:lnSpc>
       <a:defRPr sz="2200">
-        <a:latin typeface="Helvetica Neue"/>
-        <a:ea typeface="Helvetica Neue"/>
-        <a:cs typeface="Helvetica Neue"/>
+        <a:latin typeface="+mj-lt"/>
+        <a:ea typeface="+mj-ea"/>
+        <a:cs typeface="+mj-cs"/>
         <a:sym typeface="Helvetica Neue"/>
       </a:defRPr>
     </a:lvl9pPr>
@@ -683,10 +683,10 @@
       </p:grpSpPr>
       <p:sp>
         <p:nvSpPr>
-          <p:cNvPr id="93" name="“Type a quote here.”"/>
+          <p:cNvPr id="93" name="Body Level One…"/>
           <p:cNvSpPr txBox="1"/>
           <p:nvPr>
-            <p:ph type="body" sz="quarter" idx="13"/>
+            <p:ph type="body" sz="quarter" idx="1"/>
           </p:nvPr>
         </p:nvSpPr>
         <p:spPr>
@@ -699,9 +699,7 @@
           </a:prstGeom>
         </p:spPr>
         <p:txBody>
-          <a:bodyPr>
-            <a:spAutoFit/>
-          </a:bodyPr>
+          <a:bodyPr/>
           <a:lstStyle>
             <a:lvl1pPr marL="0" indent="0" algn="ctr">
               <a:spcBef>
@@ -710,11 +708,67 @@
               <a:buSzTx/>
               <a:buNone/>
             </a:lvl1pPr>
+            <a:lvl2pPr algn="ctr">
+              <a:spcBef>
+                <a:spcPts val="0"/>
+              </a:spcBef>
+              <a:buBlip>
+                <a:blip r:embed="rId2"/>
+              </a:buBlip>
+            </a:lvl2pPr>
+            <a:lvl3pPr algn="ctr">
+              <a:spcBef>
+                <a:spcPts val="0"/>
+              </a:spcBef>
+              <a:buBlip>
+                <a:blip r:embed="rId2"/>
+              </a:buBlip>
+            </a:lvl3pPr>
+            <a:lvl4pPr algn="ctr">
+              <a:spcBef>
+                <a:spcPts val="0"/>
+              </a:spcBef>
+              <a:buBlip>
+                <a:blip r:embed="rId2"/>
+              </a:buBlip>
+            </a:lvl4pPr>
+            <a:lvl5pPr algn="ctr">
+              <a:spcBef>
+                <a:spcPts val="0"/>
+              </a:spcBef>
+              <a:buBlip>
+                <a:blip r:embed="rId2"/>
+              </a:buBlip>
+            </a:lvl5pPr>
           </a:lstStyle>
           <a:p>
             <a:pPr/>
             <a:r>
-              <a:t>“Type a quote here.”</a:t>
+              <a:t>Body Level One</a:t>
+            </a:r>
+          </a:p>
+          <a:p>
+            <a:pPr lvl="1"/>
+            <a:r>
+              <a:t>Body Level Two</a:t>
+            </a:r>
+          </a:p>
+          <a:p>
+            <a:pPr lvl="2"/>
+            <a:r>
+              <a:t>Body Level Three</a:t>
+            </a:r>
+          </a:p>
+          <a:p>
+            <a:pPr lvl="3"/>
+            <a:r>
+              <a:t>Body Level Four</a:t>
+            </a:r>
+          </a:p>
+          <a:p>
+            <a:pPr lvl="4"/>
+            <a:r>
+              <a:t>Body Level Five</a:t>
             </a:r>
           </a:p>
         </p:txBody>
@@ -724,7 +778,7 @@
           <p:cNvPr id="94" name="–Johnny Appleseed"/>
           <p:cNvSpPr txBox="1"/>
           <p:nvPr>
-            <p:ph type="body" sz="quarter" idx="14"/>
+            <p:ph type="body" sz="quarter" idx="13"/>
           </p:nvPr>
         </p:nvSpPr>
         <p:spPr>
@@ -737,24 +791,17 @@
           </a:prstGeom>
         </p:spPr>
         <p:txBody>
-          <a:bodyPr anchor="t">
-            <a:spAutoFit/>
-          </a:bodyPr>
-          <a:lstStyle>
-            <a:lvl1pPr marL="0" indent="0" algn="ctr">
+          <a:bodyPr anchor="t"/>
+          <a:lstStyle/>
+          <a:p>
+            <a:pPr marL="0" indent="0" algn="ctr">
               <a:spcBef>
                 <a:spcPts val="0"/>
               </a:spcBef>
               <a:buSzTx/>
               <a:buNone/>
               <a:defRPr sz="2800"/>
-            </a:lvl1pPr>
-          </a:lstStyle>
-          <a:p>
-            <a:pPr/>
-            <a:r>
-              <a:t>–Johnny Appleseed</a:t>
-            </a:r>
+            </a:pPr>
           </a:p>
         </p:txBody>
       </p:sp>
@@ -939,15 +986,12 @@
         </p:nvSpPr>
         <p:spPr>
           <a:xfrm>
-            <a:off x="1573807" y="1421425"/>
-            <a:ext cx="9855201" cy="5143501"/>
+            <a:off x="1573807" y="1421424"/>
+            <a:ext cx="9855201" cy="5143503"/>
           </a:xfrm>
           <a:prstGeom prst="rect">
             <a:avLst/>
           </a:prstGeom>
-          <a:ln w="9525">
-            <a:round/>
-          </a:ln>
         </p:spPr>
         <p:txBody>
           <a:bodyPr lIns="91439" tIns="45719" rIns="91439" bIns="45719" anchor="t">
@@ -1224,9 +1268,6 @@
           <a:prstGeom prst="rect">
             <a:avLst/>
           </a:prstGeom>
-          <a:ln w="9525">
-            <a:round/>
-          </a:ln>
         </p:spPr>
         <p:txBody>
           <a:bodyPr lIns="91439" tIns="45719" rIns="91439" bIns="45719" anchor="t">
@@ -1420,6 +1461,10 @@
           </p:nvPr>
         </p:nvSpPr>
         <p:spPr>
+          <a:xfrm>
+            <a:off x="1270000" y="635000"/>
+            <a:ext cx="10464800" cy="2108200"/>
+          </a:xfrm>
           <a:prstGeom prst="rect">
             <a:avLst/>
           </a:prstGeom>
@@ -1494,6 +1539,10 @@
           </p:nvPr>
         </p:nvSpPr>
         <p:spPr>
+          <a:xfrm>
+            <a:off x="1270000" y="635000"/>
+            <a:ext cx="10464800" cy="2108200"/>
+          </a:xfrm>
           <a:prstGeom prst="rect">
             <a:avLst/>
           </a:prstGeom>
@@ -1653,9 +1702,6 @@
           <a:prstGeom prst="rect">
             <a:avLst/>
           </a:prstGeom>
-          <a:ln w="9525">
-            <a:round/>
-          </a:ln>
         </p:spPr>
         <p:txBody>
           <a:bodyPr lIns="91439" tIns="45719" rIns="91439" bIns="45719" anchor="t">
@@ -1676,6 +1722,10 @@
           </p:nvPr>
         </p:nvSpPr>
         <p:spPr>
+          <a:xfrm>
+            <a:off x="1270000" y="635000"/>
+            <a:ext cx="10464800" cy="2108200"/>
+          </a:xfrm>
           <a:prstGeom prst="rect">
             <a:avLst/>
           </a:prstGeom>
@@ -1971,15 +2021,12 @@
         </p:nvSpPr>
         <p:spPr>
           <a:xfrm>
-            <a:off x="7396540" y="812918"/>
-            <a:ext cx="4660901" cy="2984501"/>
+            <a:off x="7396539" y="812918"/>
+            <a:ext cx="4660903" cy="2984501"/>
           </a:xfrm>
           <a:prstGeom prst="rect">
             <a:avLst/>
           </a:prstGeom>
-          <a:ln w="9525">
-            <a:round/>
-          </a:ln>
         </p:spPr>
         <p:txBody>
           <a:bodyPr lIns="91439" tIns="45719" rIns="91439" bIns="45719" anchor="t">
@@ -2001,15 +2048,12 @@
         </p:nvSpPr>
         <p:spPr>
           <a:xfrm>
-            <a:off x="7396540" y="4038718"/>
-            <a:ext cx="4660901" cy="4864101"/>
+            <a:off x="7396539" y="4038717"/>
+            <a:ext cx="4660903" cy="4864102"/>
           </a:xfrm>
           <a:prstGeom prst="rect">
             <a:avLst/>
           </a:prstGeom>
-          <a:ln w="9525">
-            <a:round/>
-          </a:ln>
         </p:spPr>
         <p:txBody>
           <a:bodyPr lIns="91439" tIns="45719" rIns="91439" bIns="45719" anchor="t">
@@ -2037,9 +2081,6 @@
           <a:prstGeom prst="rect">
             <a:avLst/>
           </a:prstGeom>
-          <a:ln w="9525">
-            <a:round/>
-          </a:ln>
         </p:spPr>
         <p:txBody>
           <a:bodyPr lIns="91439" tIns="45719" rIns="91439" bIns="45719" anchor="t">
@@ -2208,8 +2249,8 @@
         </p:nvSpPr>
         <p:spPr>
           <a:xfrm>
-            <a:off x="1270000" y="635000"/>
-            <a:ext cx="10464800" cy="2108200"/>
+            <a:off x="1948462" y="1950720"/>
+            <a:ext cx="10403841" cy="661529"/>
           </a:xfrm>
           <a:prstGeom prst="rect">
             <a:avLst/>
@@ -2246,7 +2287,7 @@
         </p:nvSpPr>
         <p:spPr>
           <a:xfrm>
-            <a:off x="6337299" y="9296399"/>
+            <a:off x="6337299" y="9296400"/>
             <a:ext cx="323479" cy="457201"/>
           </a:xfrm>
           <a:prstGeom prst="rect">
@@ -2291,7 +2332,7 @@
   <p:transition xmlns:p14="http://schemas.microsoft.com/office/powerpoint/2010/main" spd="med" advClick="1"/>
   <p:txStyles>
     <p:titleStyle>
-      <a:lvl1pPr marL="0" marR="0" indent="0" algn="l" defTabSz="584200" latinLnBrk="0">
+      <a:lvl1pPr marL="0" marR="0" indent="0" algn="l" defTabSz="584200" rtl="0" latinLnBrk="0">
         <a:lnSpc>
           <a:spcPct val="100000"/>
         </a:lnSpc>
@@ -2314,13 +2355,13 @@
             <a:srgbClr val="3E231A"/>
           </a:solidFill>
           <a:uFillTx/>
-          <a:latin typeface="+mn-lt"/>
-          <a:ea typeface="+mn-ea"/>
-          <a:cs typeface="+mn-cs"/>
+          <a:latin typeface="Papyrus"/>
+          <a:ea typeface="Papyrus"/>
+          <a:cs typeface="Papyrus"/>
           <a:sym typeface="Papyrus"/>
         </a:defRPr>
       </a:lvl1pPr>
-      <a:lvl2pPr marL="0" marR="0" indent="0" algn="l" defTabSz="584200" latinLnBrk="0">
+      <a:lvl2pPr marL="0" marR="0" indent="0" algn="l" defTabSz="584200" rtl="0" latinLnBrk="0">
         <a:lnSpc>
           <a:spcPct val="100000"/>
         </a:lnSpc>
@@ -2343,13 +2384,13 @@
             <a:srgbClr val="3E231A"/>
           </a:solidFill>
           <a:uFillTx/>
-          <a:latin typeface="+mn-lt"/>
-          <a:ea typeface="+mn-ea"/>
-          <a:cs typeface="+mn-cs"/>
+          <a:latin typeface="Papyrus"/>
+          <a:ea typeface="Papyrus"/>
+          <a:cs typeface="Papyrus"/>
           <a:sym typeface="Papyrus"/>
         </a:defRPr>
       </a:lvl2pPr>
-      <a:lvl3pPr marL="0" marR="0" indent="0" algn="l" defTabSz="584200" latinLnBrk="0">
+      <a:lvl3pPr marL="0" marR="0" indent="0" algn="l" defTabSz="584200" rtl="0" latinLnBrk="0">
         <a:lnSpc>
           <a:spcPct val="100000"/>
         </a:lnSpc>
@@ -2372,13 +2413,13 @@
             <a:srgbClr val="3E231A"/>
           </a:solidFill>
           <a:uFillTx/>
-          <a:latin typeface="+mn-lt"/>
-          <a:ea typeface="+mn-ea"/>
-          <a:cs typeface="+mn-cs"/>
+          <a:latin typeface="Papyrus"/>
+          <a:ea typeface="Papyrus"/>
+          <a:cs typeface="Papyrus"/>
           <a:sym typeface="Papyrus"/>
         </a:defRPr>
       </a:lvl3pPr>
-      <a:lvl4pPr marL="0" marR="0" indent="0" algn="l" defTabSz="584200" latinLnBrk="0">
+      <a:lvl4pPr marL="0" marR="0" indent="0" algn="l" defTabSz="584200" rtl="0" latinLnBrk="0">
         <a:lnSpc>
           <a:spcPct val="100000"/>
         </a:lnSpc>
@@ -2401,13 +2442,13 @@
             <a:srgbClr val="3E231A"/>
           </a:solidFill>
           <a:uFillTx/>
-          <a:latin typeface="+mn-lt"/>
-          <a:ea typeface="+mn-ea"/>
-          <a:cs typeface="+mn-cs"/>
+          <a:latin typeface="Papyrus"/>
+          <a:ea typeface="Papyrus"/>
+          <a:cs typeface="Papyrus"/>
           <a:sym typeface="Papyrus"/>
         </a:defRPr>
       </a:lvl4pPr>
-      <a:lvl5pPr marL="0" marR="0" indent="0" algn="l" defTabSz="584200" latinLnBrk="0">
+      <a:lvl5pPr marL="0" marR="0" indent="0" algn="l" defTabSz="584200" rtl="0" latinLnBrk="0">
         <a:lnSpc>
           <a:spcPct val="100000"/>
         </a:lnSpc>
@@ -2430,13 +2471,13 @@
             <a:srgbClr val="3E231A"/>
           </a:solidFill>
           <a:uFillTx/>
-          <a:latin typeface="+mn-lt"/>
-          <a:ea typeface="+mn-ea"/>
-          <a:cs typeface="+mn-cs"/>
+          <a:latin typeface="Papyrus"/>
+          <a:ea typeface="Papyrus"/>
+          <a:cs typeface="Papyrus"/>
           <a:sym typeface="Papyrus"/>
         </a:defRPr>
       </a:lvl5pPr>
-      <a:lvl6pPr marL="0" marR="0" indent="0" algn="l" defTabSz="584200" latinLnBrk="0">
+      <a:lvl6pPr marL="0" marR="0" indent="0" algn="l" defTabSz="584200" rtl="0" latinLnBrk="0">
         <a:lnSpc>
           <a:spcPct val="100000"/>
         </a:lnSpc>
@@ -2459,13 +2500,13 @@
             <a:srgbClr val="3E231A"/>
           </a:solidFill>
           <a:uFillTx/>
-          <a:latin typeface="+mn-lt"/>
-          <a:ea typeface="+mn-ea"/>
-          <a:cs typeface="+mn-cs"/>
+          <a:latin typeface="Papyrus"/>
+          <a:ea typeface="Papyrus"/>
+          <a:cs typeface="Papyrus"/>
           <a:sym typeface="Papyrus"/>
         </a:defRPr>
       </a:lvl6pPr>
-      <a:lvl7pPr marL="0" marR="0" indent="0" algn="l" defTabSz="584200" latinLnBrk="0">
+      <a:lvl7pPr marL="0" marR="0" indent="0" algn="l" defTabSz="584200" rtl="0" latinLnBrk="0">
         <a:lnSpc>
           <a:spcPct val="100000"/>
         </a:lnSpc>
@@ -2488,13 +2529,13 @@
             <a:srgbClr val="3E231A"/>
           </a:solidFill>
           <a:uFillTx/>
-          <a:latin typeface="+mn-lt"/>
-          <a:ea typeface="+mn-ea"/>
-          <a:cs typeface="+mn-cs"/>
+          <a:latin typeface="Papyrus"/>
+          <a:ea typeface="Papyrus"/>
+          <a:cs typeface="Papyrus"/>
           <a:sym typeface="Papyrus"/>
         </a:defRPr>
       </a:lvl7pPr>
-      <a:lvl8pPr marL="0" marR="0" indent="0" algn="l" defTabSz="584200" latinLnBrk="0">
+      <a:lvl8pPr marL="0" marR="0" indent="0" algn="l" defTabSz="584200" rtl="0" latinLnBrk="0">
         <a:lnSpc>
           <a:spcPct val="100000"/>
         </a:lnSpc>
@@ -2517,13 +2558,13 @@
             <a:srgbClr val="3E231A"/>
           </a:solidFill>
           <a:uFillTx/>
-          <a:latin typeface="+mn-lt"/>
-          <a:ea typeface="+mn-ea"/>
-          <a:cs typeface="+mn-cs"/>
+          <a:latin typeface="Papyrus"/>
+          <a:ea typeface="Papyrus"/>
+          <a:cs typeface="Papyrus"/>
           <a:sym typeface="Papyrus"/>
         </a:defRPr>
       </a:lvl8pPr>
-      <a:lvl9pPr marL="0" marR="0" indent="0" algn="l" defTabSz="584200" latinLnBrk="0">
+      <a:lvl9pPr marL="0" marR="0" indent="0" algn="l" defTabSz="584200" rtl="0" latinLnBrk="0">
         <a:lnSpc>
           <a:spcPct val="100000"/>
         </a:lnSpc>
@@ -2546,9 +2587,9 @@
             <a:srgbClr val="3E231A"/>
           </a:solidFill>
           <a:uFillTx/>
-          <a:latin typeface="+mn-lt"/>
-          <a:ea typeface="+mn-ea"/>
-          <a:cs typeface="+mn-cs"/>
+          <a:latin typeface="Papyrus"/>
+          <a:ea typeface="Papyrus"/>
+          <a:cs typeface="Papyrus"/>
           <a:sym typeface="Papyrus"/>
         </a:defRPr>
       </a:lvl9pPr>
@@ -2579,9 +2620,9 @@
             <a:srgbClr val="3E231A"/>
           </a:solidFill>
           <a:uFillTx/>
-          <a:latin typeface="+mn-lt"/>
-          <a:ea typeface="+mn-ea"/>
-          <a:cs typeface="+mn-cs"/>
+          <a:latin typeface="Papyrus"/>
+          <a:ea typeface="Papyrus"/>
+          <a:cs typeface="Papyrus"/>
           <a:sym typeface="Papyrus"/>
         </a:defRPr>
       </a:lvl1pPr>
@@ -2610,9 +2651,9 @@
             <a:srgbClr val="3E231A"/>
           </a:solidFill>
           <a:uFillTx/>
-          <a:latin typeface="+mn-lt"/>
-          <a:ea typeface="+mn-ea"/>
-          <a:cs typeface="+mn-cs"/>
+          <a:latin typeface="Papyrus"/>
+          <a:ea typeface="Papyrus"/>
+          <a:cs typeface="Papyrus"/>
           <a:sym typeface="Papyrus"/>
         </a:defRPr>
       </a:lvl2pPr>
@@ -2641,9 +2682,9 @@
             <a:srgbClr val="3E231A"/>
           </a:solidFill>
           <a:uFillTx/>
-          <a:latin typeface="+mn-lt"/>
-          <a:ea typeface="+mn-ea"/>
-          <a:cs typeface="+mn-cs"/>
+          <a:latin typeface="Papyrus"/>
+          <a:ea typeface="Papyrus"/>
+          <a:cs typeface="Papyrus"/>
           <a:sym typeface="Papyrus"/>
         </a:defRPr>
       </a:lvl3pPr>
@@ -2672,9 +2713,9 @@
             <a:srgbClr val="3E231A"/>
           </a:solidFill>
           <a:uFillTx/>
-          <a:latin typeface="+mn-lt"/>
-          <a:ea typeface="+mn-ea"/>
-          <a:cs typeface="+mn-cs"/>
+          <a:latin typeface="Papyrus"/>
+          <a:ea typeface="Papyrus"/>
+          <a:cs typeface="Papyrus"/>
           <a:sym typeface="Papyrus"/>
         </a:defRPr>
       </a:lvl4pPr>
@@ -2703,9 +2744,9 @@
             <a:srgbClr val="3E231A"/>
           </a:solidFill>
           <a:uFillTx/>
-          <a:latin typeface="+mn-lt"/>
-          <a:ea typeface="+mn-ea"/>
-          <a:cs typeface="+mn-cs"/>
+          <a:latin typeface="Papyrus"/>
+          <a:ea typeface="Papyrus"/>
+          <a:cs typeface="Papyrus"/>
           <a:sym typeface="Papyrus"/>
         </a:defRPr>
       </a:lvl5pPr>
@@ -2734,9 +2775,9 @@
             <a:srgbClr val="3E231A"/>
           </a:solidFill>
           <a:uFillTx/>
-          <a:latin typeface="+mn-lt"/>
-          <a:ea typeface="+mn-ea"/>
-          <a:cs typeface="+mn-cs"/>
+          <a:latin typeface="Papyrus"/>
+          <a:ea typeface="Papyrus"/>
+          <a:cs typeface="Papyrus"/>
           <a:sym typeface="Papyrus"/>
         </a:defRPr>
       </a:lvl6pPr>
@@ -2765,9 +2806,9 @@
             <a:srgbClr val="3E231A"/>
           </a:solidFill>
           <a:uFillTx/>
-          <a:latin typeface="+mn-lt"/>
-          <a:ea typeface="+mn-ea"/>
-          <a:cs typeface="+mn-cs"/>
+          <a:latin typeface="Papyrus"/>
+          <a:ea typeface="Papyrus"/>
+          <a:cs typeface="Papyrus"/>
           <a:sym typeface="Papyrus"/>
         </a:defRPr>
       </a:lvl7pPr>
@@ -2796,9 +2837,9 @@
             <a:srgbClr val="3E231A"/>
           </a:solidFill>
           <a:uFillTx/>
-          <a:latin typeface="+mn-lt"/>
-          <a:ea typeface="+mn-ea"/>
-          <a:cs typeface="+mn-cs"/>
+          <a:latin typeface="Papyrus"/>
+          <a:ea typeface="Papyrus"/>
+          <a:cs typeface="Papyrus"/>
           <a:sym typeface="Papyrus"/>
         </a:defRPr>
       </a:lvl8pPr>
@@ -2827,15 +2868,15 @@
             <a:srgbClr val="3E231A"/>
           </a:solidFill>
           <a:uFillTx/>
-          <a:latin typeface="+mn-lt"/>
-          <a:ea typeface="+mn-ea"/>
-          <a:cs typeface="+mn-cs"/>
+          <a:latin typeface="Papyrus"/>
+          <a:ea typeface="Papyrus"/>
+          <a:cs typeface="Papyrus"/>
           <a:sym typeface="Papyrus"/>
         </a:defRPr>
       </a:lvl9pPr>
     </p:bodyStyle>
     <p:otherStyle>
-      <a:lvl1pPr marL="0" marR="0" indent="0" algn="ctr" defTabSz="584200" latinLnBrk="0">
+      <a:lvl1pPr marL="0" marR="0" indent="0" algn="ctr" defTabSz="584200" rtl="0" latinLnBrk="0">
         <a:lnSpc>
           <a:spcPct val="100000"/>
         </a:lnSpc>
@@ -2864,7 +2905,7 @@
           <a:sym typeface="Papyrus"/>
         </a:defRPr>
       </a:lvl1pPr>
-      <a:lvl2pPr marL="0" marR="0" indent="228600" algn="ctr" defTabSz="584200" latinLnBrk="0">
+      <a:lvl2pPr marL="0" marR="0" indent="0" algn="ctr" defTabSz="584200" rtl="0" latinLnBrk="0">
         <a:lnSpc>
           <a:spcPct val="100000"/>
         </a:lnSpc>
@@ -2893,7 +2934,7 @@
           <a:sym typeface="Papyrus"/>
         </a:defRPr>
       </a:lvl2pPr>
-      <a:lvl3pPr marL="0" marR="0" indent="457200" algn="ctr" defTabSz="584200" latinLnBrk="0">
+      <a:lvl3pPr marL="0" marR="0" indent="0" algn="ctr" defTabSz="584200" rtl="0" latinLnBrk="0">
         <a:lnSpc>
           <a:spcPct val="100000"/>
         </a:lnSpc>
@@ -2922,7 +2963,7 @@
           <a:sym typeface="Papyrus"/>
         </a:defRPr>
       </a:lvl3pPr>
-      <a:lvl4pPr marL="0" marR="0" indent="685800" algn="ctr" defTabSz="584200" latinLnBrk="0">
+      <a:lvl4pPr marL="0" marR="0" indent="0" algn="ctr" defTabSz="584200" rtl="0" latinLnBrk="0">
         <a:lnSpc>
           <a:spcPct val="100000"/>
         </a:lnSpc>
@@ -2951,7 +2992,7 @@
           <a:sym typeface="Papyrus"/>
         </a:defRPr>
       </a:lvl4pPr>
-      <a:lvl5pPr marL="0" marR="0" indent="914400" algn="ctr" defTabSz="584200" latinLnBrk="0">
+      <a:lvl5pPr marL="0" marR="0" indent="0" algn="ctr" defTabSz="584200" rtl="0" latinLnBrk="0">
         <a:lnSpc>
           <a:spcPct val="100000"/>
         </a:lnSpc>
@@ -2980,7 +3021,7 @@
           <a:sym typeface="Papyrus"/>
         </a:defRPr>
       </a:lvl5pPr>
-      <a:lvl6pPr marL="0" marR="0" indent="1143000" algn="ctr" defTabSz="584200" latinLnBrk="0">
+      <a:lvl6pPr marL="0" marR="0" indent="0" algn="ctr" defTabSz="584200" rtl="0" latinLnBrk="0">
         <a:lnSpc>
           <a:spcPct val="100000"/>
         </a:lnSpc>
@@ -3009,7 +3050,7 @@
           <a:sym typeface="Papyrus"/>
         </a:defRPr>
       </a:lvl6pPr>
-      <a:lvl7pPr marL="0" marR="0" indent="1371600" algn="ctr" defTabSz="584200" latinLnBrk="0">
+      <a:lvl7pPr marL="0" marR="0" indent="0" algn="ctr" defTabSz="584200" rtl="0" latinLnBrk="0">
         <a:lnSpc>
           <a:spcPct val="100000"/>
         </a:lnSpc>
@@ -3038,7 +3079,7 @@
           <a:sym typeface="Papyrus"/>
         </a:defRPr>
       </a:lvl7pPr>
-      <a:lvl8pPr marL="0" marR="0" indent="1600200" algn="ctr" defTabSz="584200" latinLnBrk="0">
+      <a:lvl8pPr marL="0" marR="0" indent="0" algn="ctr" defTabSz="584200" rtl="0" latinLnBrk="0">
         <a:lnSpc>
           <a:spcPct val="100000"/>
         </a:lnSpc>
@@ -3067,7 +3108,7 @@
           <a:sym typeface="Papyrus"/>
         </a:defRPr>
       </a:lvl8pPr>
-      <a:lvl9pPr marL="0" marR="0" indent="1828800" algn="ctr" defTabSz="584200" latinLnBrk="0">
+      <a:lvl9pPr marL="0" marR="0" indent="0" algn="ctr" defTabSz="584200" rtl="0" latinLnBrk="0">
         <a:lnSpc>
           <a:spcPct val="100000"/>
         </a:lnSpc>
@@ -3129,7 +3170,7 @@
         <p:spPr>
           <a:xfrm>
             <a:off x="1270000" y="1180562"/>
-            <a:ext cx="10464800" cy="2108201"/>
+            <a:ext cx="10464800" cy="2108202"/>
           </a:xfrm>
           <a:prstGeom prst="rect">
             <a:avLst/>
@@ -3167,42 +3208,28 @@
           <a:bodyPr/>
           <a:lstStyle/>
           <a:p>
-            <a:pPr marL="357123" indent="-357123" defTabSz="443991">
+            <a:pPr marL="357122" indent="-357122" defTabSz="443991">
               <a:spcBef>
                 <a:spcPts val="2200"/>
               </a:spcBef>
               <a:buBlip>
                 <a:blip r:embed="rId2"/>
               </a:buBlip>
-              <a:defRPr sz="2888"/>
+              <a:defRPr sz="2800"/>
             </a:pPr>
             <a:r>
               <a:t>Feedback for teachers is collected from student through papers and then this feedback paper is checked manually. All these tasks require a lot of efforts and resources and also time consuming. </a:t>
             </a:r>
           </a:p>
           <a:p>
-            <a:pPr marL="357123" indent="-357123" defTabSz="443991">
+            <a:pPr marL="357122" indent="-357122" defTabSz="443991">
               <a:spcBef>
                 <a:spcPts val="2200"/>
               </a:spcBef>
               <a:buBlip>
                 <a:blip r:embed="rId2"/>
               </a:buBlip>
-              <a:defRPr sz="2888"/>
-            </a:pPr>
-            <a:r>
-              <a:t>Semester registration is done trough papers, which is time consuming and tedious. </a:t>
-            </a:r>
-          </a:p>
-          <a:p>
-            <a:pPr marL="357123" indent="-357123" defTabSz="443991">
-              <a:spcBef>
-                <a:spcPts val="2200"/>
-              </a:spcBef>
-              <a:buBlip>
-                <a:blip r:embed="rId2"/>
-              </a:buBlip>
-              <a:defRPr sz="2888"/>
+              <a:defRPr sz="2800"/>
             </a:pPr>
             <a:r>
               <a:t>If student attendance is less than 75% then teacher has to  manually inform particular student. </a:t>
@@ -3230,7 +3257,7 @@
         </p:nvSpPr>
         <p:spPr>
           <a:xfrm>
-            <a:off x="1562831" y="76303"/>
+            <a:off x="1562830" y="76302"/>
             <a:ext cx="9879138" cy="1524001"/>
           </a:xfrm>
           <a:prstGeom prst="rect">
@@ -3272,7 +3299,7 @@
         </p:nvSpPr>
         <p:spPr>
           <a:xfrm>
-            <a:off x="104055" y="1163756"/>
+            <a:off x="104054" y="1163756"/>
             <a:ext cx="12796690" cy="812801"/>
           </a:xfrm>
           <a:prstGeom prst="rect">
@@ -3308,7 +3335,7 @@
         </p:nvSpPr>
         <p:spPr>
           <a:xfrm>
-            <a:off x="15610" y="9197251"/>
+            <a:off x="15609" y="9197251"/>
             <a:ext cx="6173466" cy="495301"/>
           </a:xfrm>
           <a:prstGeom prst="rect">
@@ -3427,7 +3454,6 @@
             <a:r>
               <a:t>What is to be developed? </a:t>
             </a:r>
-            <a:endParaRPr sz="1200"/>
           </a:p>
         </p:txBody>
       </p:sp>
@@ -3455,7 +3481,7 @@
               <a:buBlip>
                 <a:blip r:embed="rId2"/>
               </a:buBlip>
-              <a:defRPr sz="2356"/>
+              <a:defRPr sz="2300"/>
             </a:pPr>
             <a:r>
               <a:t>In order to deal with these issue, we are putting forward a system which would :</a:t>
@@ -3469,7 +3495,7 @@
               <a:buBlip>
                 <a:blip r:embed="rId2"/>
               </a:buBlip>
-              <a:defRPr sz="2356"/>
+              <a:defRPr sz="2300"/>
             </a:pPr>
             <a:r>
               <a:t>Taking feedback from students through web page for teachers. </a:t>
@@ -3483,7 +3509,7 @@
               <a:buBlip>
                 <a:blip r:embed="rId2"/>
               </a:buBlip>
-              <a:defRPr sz="2356"/>
+              <a:defRPr sz="2300"/>
             </a:pPr>
             <a:r>
               <a:t>Display the performance graph of each faculty. </a:t>
@@ -3497,38 +3523,10 @@
               <a:buBlip>
                 <a:blip r:embed="rId2"/>
               </a:buBlip>
-              <a:defRPr sz="2356"/>
-            </a:pPr>
-            <a:r>
-              <a:t>Online semester regestration forum.</a:t>
-            </a:r>
-          </a:p>
-          <a:p>
-            <a:pPr lvl="3" marL="1165352" indent="-291338" defTabSz="362204">
-              <a:spcBef>
-                <a:spcPts val="1800"/>
-              </a:spcBef>
-              <a:buBlip>
-                <a:blip r:embed="rId2"/>
-              </a:buBlip>
-              <a:defRPr sz="2356"/>
+              <a:defRPr sz="2300"/>
             </a:pPr>
             <a:r>
               <a:t>Generation of defaulter list of student using the attendance sheet given by teacher. </a:t>
-            </a:r>
-          </a:p>
-          <a:p>
-            <a:pPr lvl="3" marL="1165352" indent="-291338" defTabSz="362204">
-              <a:spcBef>
-                <a:spcPts val="1800"/>
-              </a:spcBef>
-              <a:buBlip>
-                <a:blip r:embed="rId2"/>
-              </a:buBlip>
-              <a:defRPr sz="2356"/>
-            </a:pPr>
-            <a:r>
-              <a:t>Sending e-mail to the students if their name is in the defaulter list. </a:t>
             </a:r>
             <a:br/>
           </a:p>
@@ -3542,7 +3540,7 @@
         </p:nvSpPr>
         <p:spPr>
           <a:xfrm>
-            <a:off x="15610" y="9197251"/>
+            <a:off x="15609" y="9197251"/>
             <a:ext cx="6173466" cy="495301"/>
           </a:xfrm>
           <a:prstGeom prst="rect">
@@ -3640,75 +3638,139 @@
           <a:chExt cx="0" cy="0"/>
         </a:xfrm>
       </p:grpSpPr>
+      <p:grpSp>
+        <p:nvGrpSpPr>
+          <p:cNvPr id="133" name="Admin"/>
+          <p:cNvGrpSpPr/>
+          <p:nvPr/>
+        </p:nvGrpSpPr>
+        <p:grpSpPr>
+          <a:xfrm>
+            <a:off x="1903763" y="673100"/>
+            <a:ext cx="1270003" cy="1270000"/>
+            <a:chOff x="0" y="0"/>
+            <a:chExt cx="1270002" cy="1270000"/>
+          </a:xfrm>
+        </p:grpSpPr>
+        <p:sp>
+          <p:nvSpPr>
+            <p:cNvPr id="131" name="Circle"/>
+            <p:cNvSpPr/>
+            <p:nvPr/>
+          </p:nvSpPr>
+          <p:spPr>
+            <a:xfrm>
+              <a:off x="-1" y="0"/>
+              <a:ext cx="1270004" cy="1270000"/>
+            </a:xfrm>
+            <a:prstGeom prst="ellipse">
+              <a:avLst/>
+            </a:prstGeom>
+            <a:blipFill rotWithShape="1">
+              <a:blip r:embed="rId2"/>
+              <a:srcRect l="0" t="0" r="0" b="0"/>
+              <a:tile tx="0" ty="0" sx="100000" sy="100000" flip="none" algn="tl"/>
+            </a:blipFill>
+            <a:ln w="12700" cap="flat">
+              <a:noFill/>
+              <a:miter lim="400000"/>
+            </a:ln>
+            <a:effectLst>
+              <a:outerShdw sx="100000" sy="100000" kx="0" ky="0" algn="b" rotWithShape="0" blurRad="50800" dist="25400" dir="5400000">
+                <a:srgbClr val="000000">
+                  <a:alpha val="25000"/>
+                </a:srgbClr>
+              </a:outerShdw>
+            </a:effectLst>
+          </p:spPr>
+          <p:txBody>
+            <a:bodyPr wrap="square" lIns="50800" tIns="50800" rIns="50800" bIns="50800" numCol="1" anchor="ctr">
+              <a:noAutofit/>
+            </a:bodyPr>
+            <a:lstStyle/>
+            <a:p>
+              <a:pPr>
+                <a:defRPr sz="2500">
+                  <a:solidFill>
+                    <a:srgbClr val="FFFFFF"/>
+                  </a:solidFill>
+                  <a:effectLst>
+                    <a:outerShdw sx="100000" sy="100000" kx="0" ky="0" algn="b" rotWithShape="0" blurRad="76200" dist="12700" dir="5400000">
+                      <a:srgbClr val="000000">
+                        <a:alpha val="50000"/>
+                      </a:srgbClr>
+                    </a:outerShdw>
+                  </a:effectLst>
+                </a:defRPr>
+              </a:pPr>
+            </a:p>
+          </p:txBody>
+        </p:sp>
+        <p:sp>
+          <p:nvSpPr>
+            <p:cNvPr id="132" name="Admin"/>
+            <p:cNvSpPr txBox="1"/>
+            <p:nvPr/>
+          </p:nvSpPr>
+          <p:spPr>
+            <a:xfrm>
+              <a:off x="185987" y="101599"/>
+              <a:ext cx="898027" cy="1066801"/>
+            </a:xfrm>
+            <a:prstGeom prst="rect">
+              <a:avLst/>
+            </a:prstGeom>
+            <a:noFill/>
+            <a:ln w="12700" cap="flat">
+              <a:noFill/>
+              <a:miter lim="400000"/>
+            </a:ln>
+            <a:effectLst/>
+            <a:extLst>
+              <a:ext uri="{C572A759-6A51-4108-AA02-DFA0A04FC94B}">
+                <ma14:wrappingTextBoxFlag xmlns:ma14="http://schemas.microsoft.com/office/mac/drawingml/2011/main" val="1"/>
+              </a:ext>
+            </a:extLst>
+          </p:spPr>
+          <p:txBody>
+            <a:bodyPr wrap="square" lIns="50800" tIns="50800" rIns="50800" bIns="50800" numCol="1" anchor="ctr">
+              <a:spAutoFit/>
+            </a:bodyPr>
+            <a:lstStyle>
+              <a:lvl1pPr>
+                <a:defRPr sz="2500">
+                  <a:solidFill>
+                    <a:srgbClr val="FFFFFF"/>
+                  </a:solidFill>
+                  <a:effectLst>
+                    <a:outerShdw sx="100000" sy="100000" kx="0" ky="0" algn="b" rotWithShape="0" blurRad="76200" dist="12700" dir="5400000">
+                      <a:srgbClr val="000000">
+                        <a:alpha val="50000"/>
+                      </a:srgbClr>
+                    </a:outerShdw>
+                  </a:effectLst>
+                </a:defRPr>
+              </a:lvl1pPr>
+            </a:lstStyle>
+            <a:p>
+              <a:pPr/>
+              <a:r>
+                <a:t>Admin</a:t>
+              </a:r>
+            </a:p>
+          </p:txBody>
+        </p:sp>
+      </p:grpSp>
       <p:sp>
         <p:nvSpPr>
-          <p:cNvPr id="131" name="Admin"/>
+          <p:cNvPr id="134" name="Line"/>
           <p:cNvSpPr/>
           <p:nvPr/>
         </p:nvSpPr>
         <p:spPr>
           <a:xfrm>
-            <a:off x="1903763" y="673100"/>
-            <a:ext cx="1270001" cy="1270000"/>
-          </a:xfrm>
-          <a:prstGeom prst="ellipse">
-            <a:avLst/>
-          </a:prstGeom>
-          <a:blipFill>
-            <a:blip r:embed="rId2"/>
-          </a:blipFill>
-          <a:ln w="12700">
-            <a:miter lim="400000"/>
-          </a:ln>
-          <a:effectLst>
-            <a:outerShdw sx="100000" sy="100000" kx="0" ky="0" algn="b" rotWithShape="0" blurRad="50800" dist="25400" dir="5400000">
-              <a:srgbClr val="000000">
-                <a:alpha val="25000"/>
-              </a:srgbClr>
-            </a:outerShdw>
-          </a:effectLst>
-          <a:extLst>
-            <a:ext uri="{C572A759-6A51-4108-AA02-DFA0A04FC94B}">
-              <ma14:wrappingTextBoxFlag xmlns:ma14="http://schemas.microsoft.com/office/mac/drawingml/2011/main" val="1"/>
-            </a:ext>
-          </a:extLst>
-        </p:spPr>
-        <p:txBody>
-          <a:bodyPr lIns="50800" tIns="50800" rIns="50800" bIns="50800" anchor="ctr"/>
-          <a:lstStyle>
-            <a:lvl1pPr>
-              <a:defRPr sz="2500">
-                <a:solidFill>
-                  <a:srgbClr val="FFFFFF"/>
-                </a:solidFill>
-                <a:effectLst>
-                  <a:outerShdw sx="100000" sy="100000" kx="0" ky="0" algn="b" rotWithShape="0" blurRad="76200" dist="12700" dir="5400000">
-                    <a:srgbClr val="000000">
-                      <a:alpha val="50000"/>
-                    </a:srgbClr>
-                  </a:outerShdw>
-                </a:effectLst>
-              </a:defRPr>
-            </a:lvl1pPr>
-          </a:lstStyle>
-          <a:p>
-            <a:pPr/>
-            <a:r>
-              <a:t>Admin</a:t>
-            </a:r>
-          </a:p>
-        </p:txBody>
-      </p:sp>
-      <p:sp>
-        <p:nvSpPr>
-          <p:cNvPr id="132" name="Line"/>
-          <p:cNvSpPr/>
-          <p:nvPr/>
-        </p:nvSpPr>
-        <p:spPr>
-          <a:xfrm>
-            <a:off x="2617961" y="1984916"/>
-            <a:ext cx="263703" cy="1196385"/>
+            <a:off x="2617960" y="1984916"/>
+            <a:ext cx="263704" cy="1196386"/>
           </a:xfrm>
           <a:prstGeom prst="line">
             <a:avLst/>
@@ -3722,101 +3784,163 @@
           </a:ln>
         </p:spPr>
         <p:txBody>
-          <a:bodyPr lIns="50800" tIns="50800" rIns="50800" bIns="50800" anchor="ctr"/>
+          <a:bodyPr lIns="45718" tIns="45718" rIns="45718" bIns="45718"/>
           <a:lstStyle/>
           <a:p>
-            <a:pPr>
-              <a:defRPr sz="3000"/>
-            </a:pPr>
+            <a:pPr/>
           </a:p>
         </p:txBody>
       </p:sp>
+      <p:grpSp>
+        <p:nvGrpSpPr>
+          <p:cNvPr id="137" name="EnterTeachers details,  create forum,…"/>
+          <p:cNvGrpSpPr/>
+          <p:nvPr/>
+        </p:nvGrpSpPr>
+        <p:grpSpPr>
+          <a:xfrm>
+            <a:off x="1389735" y="3153364"/>
+            <a:ext cx="2741218" cy="1282701"/>
+            <a:chOff x="0" y="0"/>
+            <a:chExt cx="2741216" cy="1282700"/>
+          </a:xfrm>
+        </p:grpSpPr>
+        <p:sp>
+          <p:nvSpPr>
+            <p:cNvPr id="135" name="Rectangle"/>
+            <p:cNvSpPr/>
+            <p:nvPr/>
+          </p:nvSpPr>
+          <p:spPr>
+            <a:xfrm>
+              <a:off x="0" y="6349"/>
+              <a:ext cx="2741217" cy="1270002"/>
+            </a:xfrm>
+            <a:prstGeom prst="rect">
+              <a:avLst/>
+            </a:prstGeom>
+            <a:blipFill rotWithShape="1">
+              <a:blip r:embed="rId2"/>
+              <a:srcRect l="0" t="0" r="0" b="0"/>
+              <a:tile tx="0" ty="0" sx="100000" sy="100000" flip="none" algn="tl"/>
+            </a:blipFill>
+            <a:ln w="12700" cap="flat">
+              <a:noFill/>
+              <a:miter lim="400000"/>
+            </a:ln>
+            <a:effectLst>
+              <a:outerShdw sx="100000" sy="100000" kx="0" ky="0" algn="b" rotWithShape="0" blurRad="50800" dist="25400" dir="5400000">
+                <a:srgbClr val="000000">
+                  <a:alpha val="25000"/>
+                </a:srgbClr>
+              </a:outerShdw>
+            </a:effectLst>
+          </p:spPr>
+          <p:txBody>
+            <a:bodyPr wrap="square" lIns="50800" tIns="50800" rIns="50800" bIns="50800" numCol="1" anchor="ctr">
+              <a:noAutofit/>
+            </a:bodyPr>
+            <a:lstStyle/>
+            <a:p>
+              <a:pPr>
+                <a:defRPr sz="2000">
+                  <a:solidFill>
+                    <a:srgbClr val="FFFFFF"/>
+                  </a:solidFill>
+                  <a:effectLst>
+                    <a:outerShdw sx="100000" sy="100000" kx="0" ky="0" algn="b" rotWithShape="0" blurRad="76200" dist="12700" dir="5400000">
+                      <a:srgbClr val="000000">
+                        <a:alpha val="50000"/>
+                      </a:srgbClr>
+                    </a:outerShdw>
+                  </a:effectLst>
+                </a:defRPr>
+              </a:pPr>
+            </a:p>
+          </p:txBody>
+        </p:sp>
+        <p:sp>
+          <p:nvSpPr>
+            <p:cNvPr id="136" name="EnterTeachers details,  create forum,…"/>
+            <p:cNvSpPr txBox="1"/>
+            <p:nvPr/>
+          </p:nvSpPr>
+          <p:spPr>
+            <a:xfrm>
+              <a:off x="0" y="0"/>
+              <a:ext cx="2741217" cy="1282700"/>
+            </a:xfrm>
+            <a:prstGeom prst="rect">
+              <a:avLst/>
+            </a:prstGeom>
+            <a:noFill/>
+            <a:ln w="12700" cap="flat">
+              <a:noFill/>
+              <a:miter lim="400000"/>
+            </a:ln>
+            <a:effectLst/>
+            <a:extLst>
+              <a:ext uri="{C572A759-6A51-4108-AA02-DFA0A04FC94B}">
+                <ma14:wrappingTextBoxFlag xmlns:ma14="http://schemas.microsoft.com/office/mac/drawingml/2011/main" val="1"/>
+              </a:ext>
+            </a:extLst>
+          </p:spPr>
+          <p:txBody>
+            <a:bodyPr wrap="square" lIns="50800" tIns="50800" rIns="50800" bIns="50800" numCol="1" anchor="ctr">
+              <a:spAutoFit/>
+            </a:bodyPr>
+            <a:lstStyle/>
+            <a:p>
+              <a:pPr>
+                <a:defRPr sz="2000">
+                  <a:solidFill>
+                    <a:srgbClr val="FFFFFF"/>
+                  </a:solidFill>
+                  <a:effectLst>
+                    <a:outerShdw sx="100000" sy="100000" kx="0" ky="0" algn="b" rotWithShape="0" blurRad="76200" dist="12700" dir="5400000">
+                      <a:srgbClr val="000000">
+                        <a:alpha val="50000"/>
+                      </a:srgbClr>
+                    </a:outerShdw>
+                  </a:effectLst>
+                </a:defRPr>
+              </a:pPr>
+              <a:r>
+                <a:t>EnterTeachers details,  create forum,</a:t>
+              </a:r>
+            </a:p>
+            <a:p>
+              <a:pPr>
+                <a:defRPr sz="2000">
+                  <a:solidFill>
+                    <a:srgbClr val="FFFFFF"/>
+                  </a:solidFill>
+                  <a:effectLst>
+                    <a:outerShdw sx="100000" sy="100000" kx="0" ky="0" algn="b" rotWithShape="0" blurRad="76200" dist="12700" dir="5400000">
+                      <a:srgbClr val="000000">
+                        <a:alpha val="50000"/>
+                      </a:srgbClr>
+                    </a:outerShdw>
+                  </a:effectLst>
+                </a:defRPr>
+              </a:pPr>
+              <a:r>
+                <a:t>Enter Students details</a:t>
+              </a:r>
+            </a:p>
+          </p:txBody>
+        </p:sp>
+      </p:grpSp>
       <p:sp>
         <p:nvSpPr>
-          <p:cNvPr id="133" name="EnterTeachers details,  create forum,…"/>
-          <p:cNvSpPr/>
-          <p:nvPr/>
-        </p:nvSpPr>
-        <p:spPr>
-          <a:xfrm>
-            <a:off x="1389736" y="3159714"/>
-            <a:ext cx="2741216" cy="1270001"/>
-          </a:xfrm>
-          <a:prstGeom prst="rect">
-            <a:avLst/>
-          </a:prstGeom>
-          <a:blipFill>
-            <a:blip r:embed="rId3"/>
-          </a:blipFill>
-          <a:ln w="12700">
-            <a:miter lim="400000"/>
-          </a:ln>
-          <a:effectLst>
-            <a:outerShdw sx="100000" sy="100000" kx="0" ky="0" algn="b" rotWithShape="0" blurRad="50800" dist="25400" dir="5400000">
-              <a:srgbClr val="000000">
-                <a:alpha val="25000"/>
-              </a:srgbClr>
-            </a:outerShdw>
-          </a:effectLst>
-          <a:extLst>
-            <a:ext uri="{C572A759-6A51-4108-AA02-DFA0A04FC94B}">
-              <ma14:wrappingTextBoxFlag xmlns:ma14="http://schemas.microsoft.com/office/mac/drawingml/2011/main" val="1"/>
-            </a:ext>
-          </a:extLst>
-        </p:spPr>
-        <p:txBody>
-          <a:bodyPr lIns="50800" tIns="50800" rIns="50800" bIns="50800" anchor="ctr"/>
-          <a:lstStyle/>
-          <a:p>
-            <a:pPr>
-              <a:defRPr sz="2000">
-                <a:solidFill>
-                  <a:srgbClr val="FFFFFF"/>
-                </a:solidFill>
-                <a:effectLst>
-                  <a:outerShdw sx="100000" sy="100000" kx="0" ky="0" algn="b" rotWithShape="0" blurRad="76200" dist="12700" dir="5400000">
-                    <a:srgbClr val="000000">
-                      <a:alpha val="50000"/>
-                    </a:srgbClr>
-                  </a:outerShdw>
-                </a:effectLst>
-              </a:defRPr>
-            </a:pPr>
-            <a:r>
-              <a:t>EnterTeachers details,  create forum,</a:t>
-            </a:r>
-          </a:p>
-          <a:p>
-            <a:pPr>
-              <a:defRPr sz="2000">
-                <a:solidFill>
-                  <a:srgbClr val="FFFFFF"/>
-                </a:solidFill>
-                <a:effectLst>
-                  <a:outerShdw sx="100000" sy="100000" kx="0" ky="0" algn="b" rotWithShape="0" blurRad="76200" dist="12700" dir="5400000">
-                    <a:srgbClr val="000000">
-                      <a:alpha val="50000"/>
-                    </a:srgbClr>
-                  </a:outerShdw>
-                </a:effectLst>
-              </a:defRPr>
-            </a:pPr>
-            <a:r>
-              <a:t>Enter Students details</a:t>
-            </a:r>
-          </a:p>
-        </p:txBody>
-      </p:sp>
-      <p:sp>
-        <p:nvSpPr>
-          <p:cNvPr id="134" name="Line"/>
+          <p:cNvPr id="138" name="Line"/>
           <p:cNvSpPr/>
           <p:nvPr/>
         </p:nvSpPr>
         <p:spPr>
           <a:xfrm>
             <a:off x="4116468" y="4034251"/>
-            <a:ext cx="1692811" cy="584570"/>
+            <a:ext cx="1692812" cy="584571"/>
           </a:xfrm>
           <a:prstGeom prst="line">
             <a:avLst/>
@@ -3830,177 +3954,301 @@
           </a:ln>
         </p:spPr>
         <p:txBody>
-          <a:bodyPr lIns="50800" tIns="50800" rIns="50800" bIns="50800" anchor="ctr"/>
+          <a:bodyPr lIns="45718" tIns="45718" rIns="45718" bIns="45718"/>
           <a:lstStyle/>
           <a:p>
-            <a:pPr>
-              <a:defRPr sz="3000"/>
-            </a:pPr>
+            <a:pPr/>
           </a:p>
         </p:txBody>
       </p:sp>
-      <p:sp>
-        <p:nvSpPr>
-          <p:cNvPr id="135" name="Platform"/>
-          <p:cNvSpPr/>
+      <p:grpSp>
+        <p:nvGrpSpPr>
+          <p:cNvPr id="141" name="Platform"/>
+          <p:cNvGrpSpPr/>
           <p:nvPr/>
-        </p:nvSpPr>
-        <p:spPr>
+        </p:nvGrpSpPr>
+        <p:grpSpPr>
           <a:xfrm>
-            <a:off x="5429250" y="3936999"/>
-            <a:ext cx="2523977" cy="2359671"/>
+            <a:off x="5429250" y="3936998"/>
+            <a:ext cx="2523977" cy="2359672"/>
+            <a:chOff x="0" y="0"/>
+            <a:chExt cx="2523976" cy="2359671"/>
           </a:xfrm>
-          <a:custGeom>
-            <a:avLst/>
-            <a:gdLst/>
-            <a:ahLst/>
-            <a:cxnLst>
-              <a:cxn ang="0">
-                <a:pos x="wd2" y="hd2"/>
-              </a:cxn>
-              <a:cxn ang="5400000">
-                <a:pos x="wd2" y="hd2"/>
-              </a:cxn>
-              <a:cxn ang="10800000">
-                <a:pos x="wd2" y="hd2"/>
-              </a:cxn>
-              <a:cxn ang="16200000">
-                <a:pos x="wd2" y="hd2"/>
-              </a:cxn>
-            </a:cxnLst>
-            <a:rect l="0" t="0" r="r" b="b"/>
-            <a:pathLst>
-              <a:path w="21600" h="21600" fill="norm" stroke="1" extrusionOk="0">
-                <a:moveTo>
-                  <a:pt x="0" y="10800"/>
-                </a:moveTo>
-                <a:lnTo>
-                  <a:pt x="10800" y="21600"/>
-                </a:lnTo>
-                <a:lnTo>
-                  <a:pt x="21600" y="10800"/>
-                </a:lnTo>
-                <a:lnTo>
-                  <a:pt x="10800" y="0"/>
-                </a:lnTo>
-                <a:close/>
-              </a:path>
-            </a:pathLst>
-          </a:custGeom>
-          <a:solidFill>
-            <a:srgbClr val="6F8651"/>
-          </a:solidFill>
-          <a:ln w="12700">
-            <a:miter lim="400000"/>
-          </a:ln>
-          <a:effectLst>
-            <a:outerShdw sx="100000" sy="100000" kx="0" ky="0" algn="b" rotWithShape="0" blurRad="50800" dist="25400" dir="5400000">
-              <a:srgbClr val="000000">
-                <a:alpha val="25000"/>
-              </a:srgbClr>
-            </a:outerShdw>
-          </a:effectLst>
-          <a:extLst>
-            <a:ext uri="{C572A759-6A51-4108-AA02-DFA0A04FC94B}">
-              <ma14:wrappingTextBoxFlag xmlns:ma14="http://schemas.microsoft.com/office/mac/drawingml/2011/main" val="1"/>
-            </a:ext>
-          </a:extLst>
-        </p:spPr>
-        <p:txBody>
-          <a:bodyPr lIns="50800" tIns="50800" rIns="50800" bIns="50800" anchor="ctr"/>
-          <a:lstStyle>
-            <a:lvl1pPr>
-              <a:defRPr sz="2000">
-                <a:solidFill>
-                  <a:srgbClr val="FFFFFF"/>
-                </a:solidFill>
-                <a:effectLst>
-                  <a:outerShdw sx="100000" sy="100000" kx="0" ky="0" algn="b" rotWithShape="0" blurRad="76200" dist="12700" dir="5400000">
-                    <a:srgbClr val="000000">
-                      <a:alpha val="50000"/>
-                    </a:srgbClr>
-                  </a:outerShdw>
-                </a:effectLst>
-              </a:defRPr>
-            </a:lvl1pPr>
-          </a:lstStyle>
-          <a:p>
-            <a:pPr/>
-            <a:r>
-              <a:t>Platform</a:t>
-            </a:r>
-          </a:p>
-        </p:txBody>
-      </p:sp>
-      <p:sp>
-        <p:nvSpPr>
-          <p:cNvPr id="136" name="Students"/>
-          <p:cNvSpPr/>
+        </p:grpSpPr>
+        <p:sp>
+          <p:nvSpPr>
+            <p:cNvPr id="139" name="Shape"/>
+            <p:cNvSpPr/>
+            <p:nvPr/>
+          </p:nvSpPr>
+          <p:spPr>
+            <a:xfrm>
+              <a:off x="-1" y="-1"/>
+              <a:ext cx="2523978" cy="2359673"/>
+            </a:xfrm>
+            <a:custGeom>
+              <a:avLst/>
+              <a:gdLst/>
+              <a:ahLst/>
+              <a:cxnLst>
+                <a:cxn ang="0">
+                  <a:pos x="wd2" y="hd2"/>
+                </a:cxn>
+                <a:cxn ang="5400000">
+                  <a:pos x="wd2" y="hd2"/>
+                </a:cxn>
+                <a:cxn ang="10800000">
+                  <a:pos x="wd2" y="hd2"/>
+                </a:cxn>
+                <a:cxn ang="16200000">
+                  <a:pos x="wd2" y="hd2"/>
+                </a:cxn>
+              </a:cxnLst>
+              <a:rect l="0" t="0" r="r" b="b"/>
+              <a:pathLst>
+                <a:path w="21600" h="21600" fill="norm" stroke="1" extrusionOk="0">
+                  <a:moveTo>
+                    <a:pt x="0" y="10800"/>
+                  </a:moveTo>
+                  <a:lnTo>
+                    <a:pt x="10800" y="21600"/>
+                  </a:lnTo>
+                  <a:lnTo>
+                    <a:pt x="21600" y="10800"/>
+                  </a:lnTo>
+                  <a:lnTo>
+                    <a:pt x="10800" y="0"/>
+                  </a:lnTo>
+                  <a:close/>
+                </a:path>
+              </a:pathLst>
+            </a:custGeom>
+            <a:solidFill>
+              <a:srgbClr val="6F8651"/>
+            </a:solidFill>
+            <a:ln w="12700" cap="flat">
+              <a:noFill/>
+              <a:miter lim="400000"/>
+            </a:ln>
+            <a:effectLst>
+              <a:outerShdw sx="100000" sy="100000" kx="0" ky="0" algn="b" rotWithShape="0" blurRad="50800" dist="25400" dir="5400000">
+                <a:srgbClr val="000000">
+                  <a:alpha val="25000"/>
+                </a:srgbClr>
+              </a:outerShdw>
+            </a:effectLst>
+          </p:spPr>
+          <p:txBody>
+            <a:bodyPr wrap="square" lIns="50800" tIns="50800" rIns="50800" bIns="50800" numCol="1" anchor="ctr">
+              <a:noAutofit/>
+            </a:bodyPr>
+            <a:lstStyle/>
+            <a:p>
+              <a:pPr>
+                <a:defRPr sz="2000">
+                  <a:solidFill>
+                    <a:srgbClr val="FFFFFF"/>
+                  </a:solidFill>
+                  <a:effectLst>
+                    <a:outerShdw sx="100000" sy="100000" kx="0" ky="0" algn="b" rotWithShape="0" blurRad="76200" dist="12700" dir="5400000">
+                      <a:srgbClr val="000000">
+                        <a:alpha val="50000"/>
+                      </a:srgbClr>
+                    </a:outerShdw>
+                  </a:effectLst>
+                </a:defRPr>
+              </a:pPr>
+            </a:p>
+          </p:txBody>
+        </p:sp>
+        <p:sp>
+          <p:nvSpPr>
+            <p:cNvPr id="140" name="Platform"/>
+            <p:cNvSpPr txBox="1"/>
+            <p:nvPr/>
+          </p:nvSpPr>
+          <p:spPr>
+            <a:xfrm>
+              <a:off x="0" y="932185"/>
+              <a:ext cx="2523977" cy="495301"/>
+            </a:xfrm>
+            <a:prstGeom prst="rect">
+              <a:avLst/>
+            </a:prstGeom>
+            <a:noFill/>
+            <a:ln w="12700" cap="flat">
+              <a:noFill/>
+              <a:miter lim="400000"/>
+            </a:ln>
+            <a:effectLst/>
+            <a:extLst>
+              <a:ext uri="{C572A759-6A51-4108-AA02-DFA0A04FC94B}">
+                <ma14:wrappingTextBoxFlag xmlns:ma14="http://schemas.microsoft.com/office/mac/drawingml/2011/main" val="1"/>
+              </a:ext>
+            </a:extLst>
+          </p:spPr>
+          <p:txBody>
+            <a:bodyPr wrap="square" lIns="50800" tIns="50800" rIns="50800" bIns="50800" numCol="1" anchor="ctr">
+              <a:spAutoFit/>
+            </a:bodyPr>
+            <a:lstStyle>
+              <a:lvl1pPr>
+                <a:defRPr sz="2000">
+                  <a:solidFill>
+                    <a:srgbClr val="FFFFFF"/>
+                  </a:solidFill>
+                  <a:effectLst>
+                    <a:outerShdw sx="100000" sy="100000" kx="0" ky="0" algn="b" rotWithShape="0" blurRad="76200" dist="12700" dir="5400000">
+                      <a:srgbClr val="000000">
+                        <a:alpha val="50000"/>
+                      </a:srgbClr>
+                    </a:outerShdw>
+                  </a:effectLst>
+                </a:defRPr>
+              </a:lvl1pPr>
+            </a:lstStyle>
+            <a:p>
+              <a:pPr/>
+              <a:r>
+                <a:t>Platform</a:t>
+              </a:r>
+            </a:p>
+          </p:txBody>
+        </p:sp>
+      </p:grpSp>
+      <p:grpSp>
+        <p:nvGrpSpPr>
+          <p:cNvPr id="144" name="Students"/>
+          <p:cNvGrpSpPr/>
           <p:nvPr/>
-        </p:nvSpPr>
-        <p:spPr>
+        </p:nvGrpSpPr>
+        <p:grpSpPr>
           <a:xfrm>
             <a:off x="10547350" y="673100"/>
             <a:ext cx="1270000" cy="1270000"/>
+            <a:chOff x="0" y="0"/>
+            <a:chExt cx="1270000" cy="1270000"/>
           </a:xfrm>
-          <a:prstGeom prst="ellipse">
-            <a:avLst/>
-          </a:prstGeom>
-          <a:blipFill>
-            <a:blip r:embed="rId4"/>
-          </a:blipFill>
-          <a:ln w="12700">
-            <a:miter lim="400000"/>
-          </a:ln>
-          <a:effectLst>
-            <a:outerShdw sx="100000" sy="100000" kx="0" ky="0" algn="b" rotWithShape="0" blurRad="50800" dist="25400" dir="5400000">
-              <a:srgbClr val="000000">
-                <a:alpha val="25000"/>
-              </a:srgbClr>
-            </a:outerShdw>
-          </a:effectLst>
-          <a:extLst>
-            <a:ext uri="{C572A759-6A51-4108-AA02-DFA0A04FC94B}">
-              <ma14:wrappingTextBoxFlag xmlns:ma14="http://schemas.microsoft.com/office/mac/drawingml/2011/main" val="1"/>
-            </a:ext>
-          </a:extLst>
-        </p:spPr>
-        <p:txBody>
-          <a:bodyPr lIns="50800" tIns="50800" rIns="50800" bIns="50800" anchor="ctr"/>
-          <a:lstStyle>
-            <a:lvl1pPr>
-              <a:defRPr sz="1800">
-                <a:solidFill>
-                  <a:srgbClr val="FFFFFF"/>
-                </a:solidFill>
-                <a:effectLst>
-                  <a:outerShdw sx="100000" sy="100000" kx="0" ky="0" algn="b" rotWithShape="0" blurRad="76200" dist="12700" dir="5400000">
-                    <a:srgbClr val="000000">
-                      <a:alpha val="50000"/>
-                    </a:srgbClr>
-                  </a:outerShdw>
-                </a:effectLst>
-              </a:defRPr>
-            </a:lvl1pPr>
-          </a:lstStyle>
-          <a:p>
-            <a:pPr/>
-            <a:r>
-              <a:t>Students</a:t>
-            </a:r>
-          </a:p>
-        </p:txBody>
-      </p:sp>
+        </p:grpSpPr>
+        <p:sp>
+          <p:nvSpPr>
+            <p:cNvPr id="142" name="Circle"/>
+            <p:cNvSpPr/>
+            <p:nvPr/>
+          </p:nvSpPr>
+          <p:spPr>
+            <a:xfrm>
+              <a:off x="0" y="0"/>
+              <a:ext cx="1270000" cy="1270000"/>
+            </a:xfrm>
+            <a:prstGeom prst="ellipse">
+              <a:avLst/>
+            </a:prstGeom>
+            <a:blipFill rotWithShape="1">
+              <a:blip r:embed="rId2"/>
+              <a:srcRect l="0" t="0" r="0" b="0"/>
+              <a:tile tx="0" ty="0" sx="100000" sy="100000" flip="none" algn="tl"/>
+            </a:blipFill>
+            <a:ln w="12700" cap="flat">
+              <a:noFill/>
+              <a:miter lim="400000"/>
+            </a:ln>
+            <a:effectLst>
+              <a:outerShdw sx="100000" sy="100000" kx="0" ky="0" algn="b" rotWithShape="0" blurRad="50800" dist="25400" dir="5400000">
+                <a:srgbClr val="000000">
+                  <a:alpha val="25000"/>
+                </a:srgbClr>
+              </a:outerShdw>
+            </a:effectLst>
+          </p:spPr>
+          <p:txBody>
+            <a:bodyPr wrap="square" lIns="50800" tIns="50800" rIns="50800" bIns="50800" numCol="1" anchor="ctr">
+              <a:noAutofit/>
+            </a:bodyPr>
+            <a:lstStyle/>
+            <a:p>
+              <a:pPr>
+                <a:defRPr sz="1800">
+                  <a:solidFill>
+                    <a:srgbClr val="FFFFFF"/>
+                  </a:solidFill>
+                  <a:effectLst>
+                    <a:outerShdw sx="100000" sy="100000" kx="0" ky="0" algn="b" rotWithShape="0" blurRad="76200" dist="12700" dir="5400000">
+                      <a:srgbClr val="000000">
+                        <a:alpha val="50000"/>
+                      </a:srgbClr>
+                    </a:outerShdw>
+                  </a:effectLst>
+                </a:defRPr>
+              </a:pPr>
+            </a:p>
+          </p:txBody>
+        </p:sp>
+        <p:sp>
+          <p:nvSpPr>
+            <p:cNvPr id="143" name="Students"/>
+            <p:cNvSpPr txBox="1"/>
+            <p:nvPr/>
+          </p:nvSpPr>
+          <p:spPr>
+            <a:xfrm>
+              <a:off x="185987" y="228599"/>
+              <a:ext cx="898026" cy="812801"/>
+            </a:xfrm>
+            <a:prstGeom prst="rect">
+              <a:avLst/>
+            </a:prstGeom>
+            <a:noFill/>
+            <a:ln w="12700" cap="flat">
+              <a:noFill/>
+              <a:miter lim="400000"/>
+            </a:ln>
+            <a:effectLst/>
+            <a:extLst>
+              <a:ext uri="{C572A759-6A51-4108-AA02-DFA0A04FC94B}">
+                <ma14:wrappingTextBoxFlag xmlns:ma14="http://schemas.microsoft.com/office/mac/drawingml/2011/main" val="1"/>
+              </a:ext>
+            </a:extLst>
+          </p:spPr>
+          <p:txBody>
+            <a:bodyPr wrap="square" lIns="50800" tIns="50800" rIns="50800" bIns="50800" numCol="1" anchor="ctr">
+              <a:spAutoFit/>
+            </a:bodyPr>
+            <a:lstStyle>
+              <a:lvl1pPr>
+                <a:defRPr sz="1800">
+                  <a:solidFill>
+                    <a:srgbClr val="FFFFFF"/>
+                  </a:solidFill>
+                  <a:effectLst>
+                    <a:outerShdw sx="100000" sy="100000" kx="0" ky="0" algn="b" rotWithShape="0" blurRad="76200" dist="12700" dir="5400000">
+                      <a:srgbClr val="000000">
+                        <a:alpha val="50000"/>
+                      </a:srgbClr>
+                    </a:outerShdw>
+                  </a:effectLst>
+                </a:defRPr>
+              </a:lvl1pPr>
+            </a:lstStyle>
+            <a:p>
+              <a:pPr/>
+              <a:r>
+                <a:t>Students</a:t>
+              </a:r>
+            </a:p>
+          </p:txBody>
+        </p:sp>
+      </p:grpSp>
       <p:sp>
         <p:nvSpPr>
-          <p:cNvPr id="137" name="Line"/>
+          <p:cNvPr id="145" name="Line"/>
           <p:cNvSpPr/>
           <p:nvPr/>
         </p:nvSpPr>
         <p:spPr>
           <a:xfrm flipH="1">
-            <a:off x="10904289" y="1904999"/>
-            <a:ext cx="201862" cy="1266958"/>
+            <a:off x="10904288" y="1904999"/>
+            <a:ext cx="201863" cy="1266959"/>
           </a:xfrm>
           <a:prstGeom prst="line">
             <a:avLst/>
@@ -4014,84 +4262,146 @@
           </a:ln>
         </p:spPr>
         <p:txBody>
-          <a:bodyPr lIns="50800" tIns="50800" rIns="50800" bIns="50800" anchor="ctr"/>
+          <a:bodyPr lIns="45718" tIns="45718" rIns="45718" bIns="45718"/>
           <a:lstStyle/>
           <a:p>
-            <a:pPr>
-              <a:defRPr sz="3000"/>
-            </a:pPr>
+            <a:pPr/>
           </a:p>
         </p:txBody>
       </p:sp>
+      <p:grpSp>
+        <p:nvGrpSpPr>
+          <p:cNvPr id="148" name="Feedback for faculty, registration forum fill-up"/>
+          <p:cNvGrpSpPr/>
+          <p:nvPr/>
+        </p:nvGrpSpPr>
+        <p:grpSpPr>
+          <a:xfrm>
+            <a:off x="9251523" y="3153364"/>
+            <a:ext cx="2741218" cy="1282701"/>
+            <a:chOff x="0" y="0"/>
+            <a:chExt cx="2741216" cy="1282700"/>
+          </a:xfrm>
+        </p:grpSpPr>
+        <p:sp>
+          <p:nvSpPr>
+            <p:cNvPr id="146" name="Rectangle"/>
+            <p:cNvSpPr/>
+            <p:nvPr/>
+          </p:nvSpPr>
+          <p:spPr>
+            <a:xfrm>
+              <a:off x="0" y="6349"/>
+              <a:ext cx="2741217" cy="1270002"/>
+            </a:xfrm>
+            <a:prstGeom prst="rect">
+              <a:avLst/>
+            </a:prstGeom>
+            <a:blipFill rotWithShape="1">
+              <a:blip r:embed="rId2"/>
+              <a:srcRect l="0" t="0" r="0" b="0"/>
+              <a:tile tx="0" ty="0" sx="100000" sy="100000" flip="none" algn="tl"/>
+            </a:blipFill>
+            <a:ln w="12700" cap="flat">
+              <a:noFill/>
+              <a:miter lim="400000"/>
+            </a:ln>
+            <a:effectLst>
+              <a:outerShdw sx="100000" sy="100000" kx="0" ky="0" algn="b" rotWithShape="0" blurRad="50800" dist="25400" dir="5400000">
+                <a:srgbClr val="000000">
+                  <a:alpha val="25000"/>
+                </a:srgbClr>
+              </a:outerShdw>
+            </a:effectLst>
+          </p:spPr>
+          <p:txBody>
+            <a:bodyPr wrap="square" lIns="50800" tIns="50800" rIns="50800" bIns="50800" numCol="1" anchor="ctr">
+              <a:noAutofit/>
+            </a:bodyPr>
+            <a:lstStyle/>
+            <a:p>
+              <a:pPr>
+                <a:defRPr sz="2000">
+                  <a:solidFill>
+                    <a:srgbClr val="FFFFFF"/>
+                  </a:solidFill>
+                  <a:effectLst>
+                    <a:outerShdw sx="100000" sy="100000" kx="0" ky="0" algn="b" rotWithShape="0" blurRad="76200" dist="12700" dir="5400000">
+                      <a:srgbClr val="000000">
+                        <a:alpha val="50000"/>
+                      </a:srgbClr>
+                    </a:outerShdw>
+                  </a:effectLst>
+                </a:defRPr>
+              </a:pPr>
+            </a:p>
+          </p:txBody>
+        </p:sp>
+        <p:sp>
+          <p:nvSpPr>
+            <p:cNvPr id="147" name="Feedback for faculty, registration forum fill-up"/>
+            <p:cNvSpPr txBox="1"/>
+            <p:nvPr/>
+          </p:nvSpPr>
+          <p:spPr>
+            <a:xfrm>
+              <a:off x="0" y="0"/>
+              <a:ext cx="2741217" cy="1282700"/>
+            </a:xfrm>
+            <a:prstGeom prst="rect">
+              <a:avLst/>
+            </a:prstGeom>
+            <a:noFill/>
+            <a:ln w="12700" cap="flat">
+              <a:noFill/>
+              <a:miter lim="400000"/>
+            </a:ln>
+            <a:effectLst/>
+            <a:extLst>
+              <a:ext uri="{C572A759-6A51-4108-AA02-DFA0A04FC94B}">
+                <ma14:wrappingTextBoxFlag xmlns:ma14="http://schemas.microsoft.com/office/mac/drawingml/2011/main" val="1"/>
+              </a:ext>
+            </a:extLst>
+          </p:spPr>
+          <p:txBody>
+            <a:bodyPr wrap="square" lIns="50800" tIns="50800" rIns="50800" bIns="50800" numCol="1" anchor="ctr">
+              <a:spAutoFit/>
+            </a:bodyPr>
+            <a:lstStyle>
+              <a:lvl1pPr>
+                <a:defRPr sz="2000">
+                  <a:solidFill>
+                    <a:srgbClr val="FFFFFF"/>
+                  </a:solidFill>
+                  <a:effectLst>
+                    <a:outerShdw sx="100000" sy="100000" kx="0" ky="0" algn="b" rotWithShape="0" blurRad="76200" dist="12700" dir="5400000">
+                      <a:srgbClr val="000000">
+                        <a:alpha val="50000"/>
+                      </a:srgbClr>
+                    </a:outerShdw>
+                  </a:effectLst>
+                </a:defRPr>
+              </a:lvl1pPr>
+            </a:lstStyle>
+            <a:p>
+              <a:pPr/>
+              <a:r>
+                <a:t>Feedback for faculty, registration forum fill-up</a:t>
+              </a:r>
+            </a:p>
+          </p:txBody>
+        </p:sp>
+      </p:grpSp>
       <p:sp>
         <p:nvSpPr>
-          <p:cNvPr id="138" name="Feedback for faculty, registration forum fill-up"/>
-          <p:cNvSpPr/>
-          <p:nvPr/>
-        </p:nvSpPr>
-        <p:spPr>
-          <a:xfrm>
-            <a:off x="9251524" y="3159714"/>
-            <a:ext cx="2741217" cy="1270001"/>
-          </a:xfrm>
-          <a:prstGeom prst="rect">
-            <a:avLst/>
-          </a:prstGeom>
-          <a:blipFill>
-            <a:blip r:embed="rId5"/>
-          </a:blipFill>
-          <a:ln w="12700">
-            <a:miter lim="400000"/>
-          </a:ln>
-          <a:effectLst>
-            <a:outerShdw sx="100000" sy="100000" kx="0" ky="0" algn="b" rotWithShape="0" blurRad="50800" dist="25400" dir="5400000">
-              <a:srgbClr val="000000">
-                <a:alpha val="25000"/>
-              </a:srgbClr>
-            </a:outerShdw>
-          </a:effectLst>
-          <a:extLst>
-            <a:ext uri="{C572A759-6A51-4108-AA02-DFA0A04FC94B}">
-              <ma14:wrappingTextBoxFlag xmlns:ma14="http://schemas.microsoft.com/office/mac/drawingml/2011/main" val="1"/>
-            </a:ext>
-          </a:extLst>
-        </p:spPr>
-        <p:txBody>
-          <a:bodyPr lIns="50800" tIns="50800" rIns="50800" bIns="50800" anchor="ctr"/>
-          <a:lstStyle>
-            <a:lvl1pPr>
-              <a:defRPr sz="2000">
-                <a:solidFill>
-                  <a:srgbClr val="FFFFFF"/>
-                </a:solidFill>
-                <a:effectLst>
-                  <a:outerShdw sx="100000" sy="100000" kx="0" ky="0" algn="b" rotWithShape="0" blurRad="76200" dist="12700" dir="5400000">
-                    <a:srgbClr val="000000">
-                      <a:alpha val="50000"/>
-                    </a:srgbClr>
-                  </a:outerShdw>
-                </a:effectLst>
-              </a:defRPr>
-            </a:lvl1pPr>
-          </a:lstStyle>
-          <a:p>
-            <a:pPr/>
-            <a:r>
-              <a:t>Feedback for faculty, registration forum fill-up</a:t>
-            </a:r>
-          </a:p>
-        </p:txBody>
-      </p:sp>
-      <p:sp>
-        <p:nvSpPr>
-          <p:cNvPr id="139" name="Line"/>
+          <p:cNvPr id="149" name="Line"/>
           <p:cNvSpPr/>
           <p:nvPr/>
         </p:nvSpPr>
         <p:spPr>
           <a:xfrm flipH="1">
-            <a:off x="7373861" y="3923463"/>
-            <a:ext cx="1805384" cy="585518"/>
+            <a:off x="7373860" y="3923462"/>
+            <a:ext cx="1805385" cy="585519"/>
           </a:xfrm>
           <a:prstGeom prst="line">
             <a:avLst/>
@@ -4105,25 +4415,23 @@
           </a:ln>
         </p:spPr>
         <p:txBody>
-          <a:bodyPr lIns="50800" tIns="50800" rIns="50800" bIns="50800" anchor="ctr"/>
+          <a:bodyPr lIns="45718" tIns="45718" rIns="45718" bIns="45718"/>
           <a:lstStyle/>
           <a:p>
-            <a:pPr>
-              <a:defRPr sz="3000"/>
-            </a:pPr>
+            <a:pPr/>
           </a:p>
         </p:txBody>
       </p:sp>
       <p:sp>
         <p:nvSpPr>
-          <p:cNvPr id="140" name="Line"/>
+          <p:cNvPr id="150" name="Line"/>
           <p:cNvSpPr/>
           <p:nvPr/>
         </p:nvSpPr>
         <p:spPr>
           <a:xfrm>
-            <a:off x="7397986" y="5665837"/>
-            <a:ext cx="977386" cy="770224"/>
+            <a:off x="7397985" y="5665837"/>
+            <a:ext cx="977387" cy="770225"/>
           </a:xfrm>
           <a:prstGeom prst="line">
             <a:avLst/>
@@ -4137,25 +4445,23 @@
           </a:ln>
         </p:spPr>
         <p:txBody>
-          <a:bodyPr lIns="50800" tIns="50800" rIns="50800" bIns="50800" anchor="ctr"/>
+          <a:bodyPr lIns="45718" tIns="45718" rIns="45718" bIns="45718"/>
           <a:lstStyle/>
           <a:p>
-            <a:pPr>
-              <a:defRPr sz="3000"/>
-            </a:pPr>
+            <a:pPr/>
           </a:p>
         </p:txBody>
       </p:sp>
       <p:sp>
         <p:nvSpPr>
-          <p:cNvPr id="141" name="Line"/>
+          <p:cNvPr id="151" name="Line"/>
           <p:cNvSpPr/>
           <p:nvPr/>
         </p:nvSpPr>
         <p:spPr>
           <a:xfrm flipH="1">
-            <a:off x="4594054" y="5411069"/>
-            <a:ext cx="1077050" cy="1077050"/>
+            <a:off x="4594054" y="5411068"/>
+            <a:ext cx="1077051" cy="1077051"/>
           </a:xfrm>
           <a:prstGeom prst="line">
             <a:avLst/>
@@ -4169,202 +4475,392 @@
           </a:ln>
         </p:spPr>
         <p:txBody>
-          <a:bodyPr lIns="50800" tIns="50800" rIns="50800" bIns="50800" anchor="ctr"/>
+          <a:bodyPr lIns="45718" tIns="45718" rIns="45718" bIns="45718"/>
           <a:lstStyle/>
           <a:p>
-            <a:pPr>
-              <a:defRPr sz="3000"/>
-            </a:pPr>
+            <a:pPr/>
           </a:p>
         </p:txBody>
       </p:sp>
+      <p:grpSp>
+        <p:nvGrpSpPr>
+          <p:cNvPr id="154" name="Generate performance graph"/>
+          <p:cNvGrpSpPr/>
+          <p:nvPr/>
+        </p:nvGrpSpPr>
+        <p:grpSpPr>
+          <a:xfrm>
+            <a:off x="7193756" y="6484527"/>
+            <a:ext cx="2741217" cy="1270002"/>
+            <a:chOff x="0" y="0"/>
+            <a:chExt cx="2741216" cy="1270001"/>
+          </a:xfrm>
+        </p:grpSpPr>
+        <p:sp>
+          <p:nvSpPr>
+            <p:cNvPr id="152" name="Rectangle"/>
+            <p:cNvSpPr/>
+            <p:nvPr/>
+          </p:nvSpPr>
+          <p:spPr>
+            <a:xfrm>
+              <a:off x="-1" y="-1"/>
+              <a:ext cx="2741218" cy="1270003"/>
+            </a:xfrm>
+            <a:prstGeom prst="rect">
+              <a:avLst/>
+            </a:prstGeom>
+            <a:blipFill rotWithShape="1">
+              <a:blip r:embed="rId2"/>
+              <a:srcRect l="0" t="0" r="0" b="0"/>
+              <a:tile tx="0" ty="0" sx="100000" sy="100000" flip="none" algn="tl"/>
+            </a:blipFill>
+            <a:ln w="12700" cap="flat">
+              <a:noFill/>
+              <a:miter lim="400000"/>
+            </a:ln>
+            <a:effectLst>
+              <a:outerShdw sx="100000" sy="100000" kx="0" ky="0" algn="b" rotWithShape="0" blurRad="50800" dist="25400" dir="5400000">
+                <a:srgbClr val="000000">
+                  <a:alpha val="25000"/>
+                </a:srgbClr>
+              </a:outerShdw>
+            </a:effectLst>
+          </p:spPr>
+          <p:txBody>
+            <a:bodyPr wrap="square" lIns="50800" tIns="50800" rIns="50800" bIns="50800" numCol="1" anchor="ctr">
+              <a:noAutofit/>
+            </a:bodyPr>
+            <a:lstStyle/>
+            <a:p>
+              <a:pPr>
+                <a:defRPr sz="2000">
+                  <a:solidFill>
+                    <a:srgbClr val="FFFFFF"/>
+                  </a:solidFill>
+                  <a:effectLst>
+                    <a:outerShdw sx="100000" sy="100000" kx="0" ky="0" algn="b" rotWithShape="0" blurRad="76200" dist="12700" dir="5400000">
+                      <a:srgbClr val="000000">
+                        <a:alpha val="50000"/>
+                      </a:srgbClr>
+                    </a:outerShdw>
+                  </a:effectLst>
+                </a:defRPr>
+              </a:pPr>
+            </a:p>
+          </p:txBody>
+        </p:sp>
+        <p:sp>
+          <p:nvSpPr>
+            <p:cNvPr id="153" name="Generate performance graph"/>
+            <p:cNvSpPr txBox="1"/>
+            <p:nvPr/>
+          </p:nvSpPr>
+          <p:spPr>
+            <a:xfrm>
+              <a:off x="-1" y="190500"/>
+              <a:ext cx="2741218" cy="889001"/>
+            </a:xfrm>
+            <a:prstGeom prst="rect">
+              <a:avLst/>
+            </a:prstGeom>
+            <a:noFill/>
+            <a:ln w="12700" cap="flat">
+              <a:noFill/>
+              <a:miter lim="400000"/>
+            </a:ln>
+            <a:effectLst/>
+            <a:extLst>
+              <a:ext uri="{C572A759-6A51-4108-AA02-DFA0A04FC94B}">
+                <ma14:wrappingTextBoxFlag xmlns:ma14="http://schemas.microsoft.com/office/mac/drawingml/2011/main" val="1"/>
+              </a:ext>
+            </a:extLst>
+          </p:spPr>
+          <p:txBody>
+            <a:bodyPr wrap="square" lIns="50800" tIns="50800" rIns="50800" bIns="50800" numCol="1" anchor="ctr">
+              <a:spAutoFit/>
+            </a:bodyPr>
+            <a:lstStyle>
+              <a:lvl1pPr>
+                <a:defRPr sz="2000">
+                  <a:solidFill>
+                    <a:srgbClr val="FFFFFF"/>
+                  </a:solidFill>
+                  <a:effectLst>
+                    <a:outerShdw sx="100000" sy="100000" kx="0" ky="0" algn="b" rotWithShape="0" blurRad="76200" dist="12700" dir="5400000">
+                      <a:srgbClr val="000000">
+                        <a:alpha val="50000"/>
+                      </a:srgbClr>
+                    </a:outerShdw>
+                  </a:effectLst>
+                </a:defRPr>
+              </a:lvl1pPr>
+            </a:lstStyle>
+            <a:p>
+              <a:pPr/>
+              <a:r>
+                <a:t>Generate performance graph</a:t>
+              </a:r>
+            </a:p>
+          </p:txBody>
+        </p:sp>
+      </p:grpSp>
+      <p:grpSp>
+        <p:nvGrpSpPr>
+          <p:cNvPr id="157" name="Send emails to students"/>
+          <p:cNvGrpSpPr/>
+          <p:nvPr/>
+        </p:nvGrpSpPr>
+        <p:grpSpPr>
+          <a:xfrm>
+            <a:off x="3901321" y="6486230"/>
+            <a:ext cx="2741217" cy="1270002"/>
+            <a:chOff x="0" y="0"/>
+            <a:chExt cx="2741216" cy="1270001"/>
+          </a:xfrm>
+        </p:grpSpPr>
+        <p:sp>
+          <p:nvSpPr>
+            <p:cNvPr id="155" name="Rectangle"/>
+            <p:cNvSpPr/>
+            <p:nvPr/>
+          </p:nvSpPr>
+          <p:spPr>
+            <a:xfrm>
+              <a:off x="-1" y="-1"/>
+              <a:ext cx="2741218" cy="1270003"/>
+            </a:xfrm>
+            <a:prstGeom prst="rect">
+              <a:avLst/>
+            </a:prstGeom>
+            <a:blipFill rotWithShape="1">
+              <a:blip r:embed="rId2"/>
+              <a:srcRect l="0" t="0" r="0" b="0"/>
+              <a:tile tx="0" ty="0" sx="100000" sy="100000" flip="none" algn="tl"/>
+            </a:blipFill>
+            <a:ln w="12700" cap="flat">
+              <a:noFill/>
+              <a:miter lim="400000"/>
+            </a:ln>
+            <a:effectLst>
+              <a:outerShdw sx="100000" sy="100000" kx="0" ky="0" algn="b" rotWithShape="0" blurRad="50800" dist="25400" dir="5400000">
+                <a:srgbClr val="000000">
+                  <a:alpha val="25000"/>
+                </a:srgbClr>
+              </a:outerShdw>
+            </a:effectLst>
+          </p:spPr>
+          <p:txBody>
+            <a:bodyPr wrap="square" lIns="50800" tIns="50800" rIns="50800" bIns="50800" numCol="1" anchor="ctr">
+              <a:noAutofit/>
+            </a:bodyPr>
+            <a:lstStyle/>
+            <a:p>
+              <a:pPr>
+                <a:defRPr sz="2000">
+                  <a:solidFill>
+                    <a:srgbClr val="FFFFFF"/>
+                  </a:solidFill>
+                  <a:effectLst>
+                    <a:outerShdw sx="100000" sy="100000" kx="0" ky="0" algn="b" rotWithShape="0" blurRad="76200" dist="12700" dir="5400000">
+                      <a:srgbClr val="000000">
+                        <a:alpha val="50000"/>
+                      </a:srgbClr>
+                    </a:outerShdw>
+                  </a:effectLst>
+                </a:defRPr>
+              </a:pPr>
+            </a:p>
+          </p:txBody>
+        </p:sp>
+        <p:sp>
+          <p:nvSpPr>
+            <p:cNvPr id="156" name="Generate student attendance report"/>
+            <p:cNvSpPr txBox="1"/>
+            <p:nvPr/>
+          </p:nvSpPr>
+          <p:spPr>
+            <a:xfrm>
+              <a:off x="-1" y="190500"/>
+              <a:ext cx="2741218" cy="889001"/>
+            </a:xfrm>
+            <a:prstGeom prst="rect">
+              <a:avLst/>
+            </a:prstGeom>
+            <a:noFill/>
+            <a:ln w="12700" cap="flat">
+              <a:noFill/>
+              <a:miter lim="400000"/>
+            </a:ln>
+            <a:effectLst/>
+            <a:extLst>
+              <a:ext uri="{C572A759-6A51-4108-AA02-DFA0A04FC94B}">
+                <ma14:wrappingTextBoxFlag xmlns:ma14="http://schemas.microsoft.com/office/mac/drawingml/2011/main" val="1"/>
+              </a:ext>
+            </a:extLst>
+          </p:spPr>
+          <p:txBody>
+            <a:bodyPr wrap="square" lIns="50800" tIns="50800" rIns="50800" bIns="50800" numCol="1" anchor="ctr">
+              <a:spAutoFit/>
+            </a:bodyPr>
+            <a:lstStyle>
+              <a:lvl1pPr>
+                <a:defRPr sz="2000">
+                  <a:solidFill>
+                    <a:srgbClr val="FFFFFF"/>
+                  </a:solidFill>
+                  <a:effectLst>
+                    <a:outerShdw sx="100000" sy="100000" kx="0" ky="0" algn="b" rotWithShape="0" blurRad="76200" dist="12700" dir="5400000">
+                      <a:srgbClr val="000000">
+                        <a:alpha val="50000"/>
+                      </a:srgbClr>
+                    </a:outerShdw>
+                  </a:effectLst>
+                </a:defRPr>
+              </a:lvl1pPr>
+            </a:lstStyle>
+            <a:p>
+              <a:pPr/>
+              <a:r>
+                <a:t>Generate student attendance report</a:t>
+              </a:r>
+            </a:p>
+          </p:txBody>
+        </p:sp>
+      </p:grpSp>
+      <p:grpSp>
+        <p:nvGrpSpPr>
+          <p:cNvPr id="160" name="Teachers"/>
+          <p:cNvGrpSpPr/>
+          <p:nvPr/>
+        </p:nvGrpSpPr>
+        <p:grpSpPr>
+          <a:xfrm>
+            <a:off x="6056238" y="78839"/>
+            <a:ext cx="1270003" cy="1270004"/>
+            <a:chOff x="0" y="0"/>
+            <a:chExt cx="1270002" cy="1270002"/>
+          </a:xfrm>
+        </p:grpSpPr>
+        <p:sp>
+          <p:nvSpPr>
+            <p:cNvPr id="158" name="Circle"/>
+            <p:cNvSpPr/>
+            <p:nvPr/>
+          </p:nvSpPr>
+          <p:spPr>
+            <a:xfrm>
+              <a:off x="-1" y="-1"/>
+              <a:ext cx="1270004" cy="1270004"/>
+            </a:xfrm>
+            <a:prstGeom prst="ellipse">
+              <a:avLst/>
+            </a:prstGeom>
+            <a:blipFill rotWithShape="1">
+              <a:blip r:embed="rId2"/>
+              <a:srcRect l="0" t="0" r="0" b="0"/>
+              <a:tile tx="0" ty="0" sx="100000" sy="100000" flip="none" algn="tl"/>
+            </a:blipFill>
+            <a:ln w="12700" cap="flat">
+              <a:noFill/>
+              <a:miter lim="400000"/>
+            </a:ln>
+            <a:effectLst>
+              <a:outerShdw sx="100000" sy="100000" kx="0" ky="0" algn="b" rotWithShape="0" blurRad="50800" dist="25400" dir="5400000">
+                <a:srgbClr val="000000">
+                  <a:alpha val="25000"/>
+                </a:srgbClr>
+              </a:outerShdw>
+            </a:effectLst>
+          </p:spPr>
+          <p:txBody>
+            <a:bodyPr wrap="square" lIns="50800" tIns="50800" rIns="50800" bIns="50800" numCol="1" anchor="ctr">
+              <a:noAutofit/>
+            </a:bodyPr>
+            <a:lstStyle/>
+            <a:p>
+              <a:pPr>
+                <a:defRPr sz="1800">
+                  <a:solidFill>
+                    <a:srgbClr val="FFFFFF"/>
+                  </a:solidFill>
+                  <a:effectLst>
+                    <a:outerShdw sx="100000" sy="100000" kx="0" ky="0" algn="b" rotWithShape="0" blurRad="76200" dist="12700" dir="5400000">
+                      <a:srgbClr val="000000">
+                        <a:alpha val="50000"/>
+                      </a:srgbClr>
+                    </a:outerShdw>
+                  </a:effectLst>
+                </a:defRPr>
+              </a:pPr>
+            </a:p>
+          </p:txBody>
+        </p:sp>
+        <p:sp>
+          <p:nvSpPr>
+            <p:cNvPr id="159" name="Teachers"/>
+            <p:cNvSpPr txBox="1"/>
+            <p:nvPr/>
+          </p:nvSpPr>
+          <p:spPr>
+            <a:xfrm>
+              <a:off x="185987" y="228600"/>
+              <a:ext cx="898027" cy="812801"/>
+            </a:xfrm>
+            <a:prstGeom prst="rect">
+              <a:avLst/>
+            </a:prstGeom>
+            <a:noFill/>
+            <a:ln w="12700" cap="flat">
+              <a:noFill/>
+              <a:miter lim="400000"/>
+            </a:ln>
+            <a:effectLst/>
+            <a:extLst>
+              <a:ext uri="{C572A759-6A51-4108-AA02-DFA0A04FC94B}">
+                <ma14:wrappingTextBoxFlag xmlns:ma14="http://schemas.microsoft.com/office/mac/drawingml/2011/main" val="1"/>
+              </a:ext>
+            </a:extLst>
+          </p:spPr>
+          <p:txBody>
+            <a:bodyPr wrap="square" lIns="50800" tIns="50800" rIns="50800" bIns="50800" numCol="1" anchor="ctr">
+              <a:spAutoFit/>
+            </a:bodyPr>
+            <a:lstStyle>
+              <a:lvl1pPr>
+                <a:defRPr sz="1800">
+                  <a:solidFill>
+                    <a:srgbClr val="FFFFFF"/>
+                  </a:solidFill>
+                  <a:effectLst>
+                    <a:outerShdw sx="100000" sy="100000" kx="0" ky="0" algn="b" rotWithShape="0" blurRad="76200" dist="12700" dir="5400000">
+                      <a:srgbClr val="000000">
+                        <a:alpha val="50000"/>
+                      </a:srgbClr>
+                    </a:outerShdw>
+                  </a:effectLst>
+                </a:defRPr>
+              </a:lvl1pPr>
+            </a:lstStyle>
+            <a:p>
+              <a:pPr/>
+              <a:r>
+                <a:t>Teachers</a:t>
+              </a:r>
+            </a:p>
+          </p:txBody>
+        </p:sp>
+      </p:grpSp>
       <p:sp>
         <p:nvSpPr>
-          <p:cNvPr id="142" name="Generate performance graph"/>
-          <p:cNvSpPr/>
-          <p:nvPr/>
-        </p:nvSpPr>
-        <p:spPr>
-          <a:xfrm>
-            <a:off x="7193756" y="6484528"/>
-            <a:ext cx="2741216" cy="1270001"/>
-          </a:xfrm>
-          <a:prstGeom prst="rect">
-            <a:avLst/>
-          </a:prstGeom>
-          <a:blipFill>
-            <a:blip r:embed="rId6"/>
-          </a:blipFill>
-          <a:ln w="12700">
-            <a:miter lim="400000"/>
-          </a:ln>
-          <a:effectLst>
-            <a:outerShdw sx="100000" sy="100000" kx="0" ky="0" algn="b" rotWithShape="0" blurRad="50800" dist="25400" dir="5400000">
-              <a:srgbClr val="000000">
-                <a:alpha val="25000"/>
-              </a:srgbClr>
-            </a:outerShdw>
-          </a:effectLst>
-          <a:extLst>
-            <a:ext uri="{C572A759-6A51-4108-AA02-DFA0A04FC94B}">
-              <ma14:wrappingTextBoxFlag xmlns:ma14="http://schemas.microsoft.com/office/mac/drawingml/2011/main" val="1"/>
-            </a:ext>
-          </a:extLst>
-        </p:spPr>
-        <p:txBody>
-          <a:bodyPr lIns="50800" tIns="50800" rIns="50800" bIns="50800" anchor="ctr"/>
-          <a:lstStyle>
-            <a:lvl1pPr>
-              <a:defRPr sz="2000">
-                <a:solidFill>
-                  <a:srgbClr val="FFFFFF"/>
-                </a:solidFill>
-                <a:effectLst>
-                  <a:outerShdw sx="100000" sy="100000" kx="0" ky="0" algn="b" rotWithShape="0" blurRad="76200" dist="12700" dir="5400000">
-                    <a:srgbClr val="000000">
-                      <a:alpha val="50000"/>
-                    </a:srgbClr>
-                  </a:outerShdw>
-                </a:effectLst>
-              </a:defRPr>
-            </a:lvl1pPr>
-          </a:lstStyle>
-          <a:p>
-            <a:pPr/>
-            <a:r>
-              <a:t>Generate performance graph</a:t>
-            </a:r>
-          </a:p>
-        </p:txBody>
-      </p:sp>
-      <p:sp>
-        <p:nvSpPr>
-          <p:cNvPr id="143" name="Send emails to students"/>
-          <p:cNvSpPr/>
-          <p:nvPr/>
-        </p:nvSpPr>
-        <p:spPr>
-          <a:xfrm>
-            <a:off x="3901322" y="6486230"/>
-            <a:ext cx="2741216" cy="1270001"/>
-          </a:xfrm>
-          <a:prstGeom prst="rect">
-            <a:avLst/>
-          </a:prstGeom>
-          <a:blipFill>
-            <a:blip r:embed="rId7"/>
-          </a:blipFill>
-          <a:ln w="12700">
-            <a:miter lim="400000"/>
-          </a:ln>
-          <a:effectLst>
-            <a:outerShdw sx="100000" sy="100000" kx="0" ky="0" algn="b" rotWithShape="0" blurRad="50800" dist="25400" dir="5400000">
-              <a:srgbClr val="000000">
-                <a:alpha val="25000"/>
-              </a:srgbClr>
-            </a:outerShdw>
-          </a:effectLst>
-          <a:extLst>
-            <a:ext uri="{C572A759-6A51-4108-AA02-DFA0A04FC94B}">
-              <ma14:wrappingTextBoxFlag xmlns:ma14="http://schemas.microsoft.com/office/mac/drawingml/2011/main" val="1"/>
-            </a:ext>
-          </a:extLst>
-        </p:spPr>
-        <p:txBody>
-          <a:bodyPr lIns="50800" tIns="50800" rIns="50800" bIns="50800" anchor="ctr"/>
-          <a:lstStyle>
-            <a:lvl1pPr>
-              <a:defRPr sz="2000">
-                <a:solidFill>
-                  <a:srgbClr val="FFFFFF"/>
-                </a:solidFill>
-                <a:effectLst>
-                  <a:outerShdw sx="100000" sy="100000" kx="0" ky="0" algn="b" rotWithShape="0" blurRad="76200" dist="12700" dir="5400000">
-                    <a:srgbClr val="000000">
-                      <a:alpha val="50000"/>
-                    </a:srgbClr>
-                  </a:outerShdw>
-                </a:effectLst>
-              </a:defRPr>
-            </a:lvl1pPr>
-          </a:lstStyle>
-          <a:p>
-            <a:pPr/>
-            <a:r>
-              <a:t>Send emails to students</a:t>
-            </a:r>
-          </a:p>
-        </p:txBody>
-      </p:sp>
-      <p:sp>
-        <p:nvSpPr>
-          <p:cNvPr id="144" name="Teachers"/>
-          <p:cNvSpPr/>
-          <p:nvPr/>
-        </p:nvSpPr>
-        <p:spPr>
-          <a:xfrm>
-            <a:off x="6056238" y="78840"/>
-            <a:ext cx="1270001" cy="1270001"/>
-          </a:xfrm>
-          <a:prstGeom prst="ellipse">
-            <a:avLst/>
-          </a:prstGeom>
-          <a:blipFill>
-            <a:blip r:embed="rId8"/>
-          </a:blipFill>
-          <a:ln w="12700">
-            <a:miter lim="400000"/>
-          </a:ln>
-          <a:effectLst>
-            <a:outerShdw sx="100000" sy="100000" kx="0" ky="0" algn="b" rotWithShape="0" blurRad="50800" dist="25400" dir="5400000">
-              <a:srgbClr val="000000">
-                <a:alpha val="25000"/>
-              </a:srgbClr>
-            </a:outerShdw>
-          </a:effectLst>
-          <a:extLst>
-            <a:ext uri="{C572A759-6A51-4108-AA02-DFA0A04FC94B}">
-              <ma14:wrappingTextBoxFlag xmlns:ma14="http://schemas.microsoft.com/office/mac/drawingml/2011/main" val="1"/>
-            </a:ext>
-          </a:extLst>
-        </p:spPr>
-        <p:txBody>
-          <a:bodyPr lIns="50800" tIns="50800" rIns="50800" bIns="50800" anchor="ctr"/>
-          <a:lstStyle>
-            <a:lvl1pPr>
-              <a:defRPr sz="1800">
-                <a:solidFill>
-                  <a:srgbClr val="FFFFFF"/>
-                </a:solidFill>
-                <a:effectLst>
-                  <a:outerShdw sx="100000" sy="100000" kx="0" ky="0" algn="b" rotWithShape="0" blurRad="76200" dist="12700" dir="5400000">
-                    <a:srgbClr val="000000">
-                      <a:alpha val="50000"/>
-                    </a:srgbClr>
-                  </a:outerShdw>
-                </a:effectLst>
-              </a:defRPr>
-            </a:lvl1pPr>
-          </a:lstStyle>
-          <a:p>
-            <a:pPr/>
-            <a:r>
-              <a:t>Teachers</a:t>
-            </a:r>
-          </a:p>
-        </p:txBody>
-      </p:sp>
-      <p:sp>
-        <p:nvSpPr>
-          <p:cNvPr id="145" name="Line"/>
+          <p:cNvPr id="161" name="Line"/>
           <p:cNvSpPr/>
           <p:nvPr/>
         </p:nvSpPr>
         <p:spPr>
           <a:xfrm>
             <a:off x="6691237" y="3106428"/>
-            <a:ext cx="1" cy="904187"/>
+            <a:ext cx="2" cy="904187"/>
           </a:xfrm>
           <a:prstGeom prst="line">
             <a:avLst/>
@@ -4378,84 +4874,146 @@
           </a:ln>
         </p:spPr>
         <p:txBody>
-          <a:bodyPr lIns="50800" tIns="50800" rIns="50800" bIns="50800" anchor="ctr"/>
+          <a:bodyPr lIns="45718" tIns="45718" rIns="45718" bIns="45718"/>
           <a:lstStyle/>
           <a:p>
-            <a:pPr>
-              <a:defRPr sz="3000"/>
-            </a:pPr>
+            <a:pPr/>
           </a:p>
         </p:txBody>
       </p:sp>
+      <p:grpSp>
+        <p:nvGrpSpPr>
+          <p:cNvPr id="164" name="Takes attendance"/>
+          <p:cNvGrpSpPr/>
+          <p:nvPr/>
+        </p:nvGrpSpPr>
+        <p:grpSpPr>
+          <a:xfrm>
+            <a:off x="6056238" y="1945739"/>
+            <a:ext cx="1270002" cy="1270002"/>
+            <a:chOff x="0" y="0"/>
+            <a:chExt cx="1270001" cy="1270001"/>
+          </a:xfrm>
+        </p:grpSpPr>
+        <p:sp>
+          <p:nvSpPr>
+            <p:cNvPr id="162" name="Square"/>
+            <p:cNvSpPr/>
+            <p:nvPr/>
+          </p:nvSpPr>
+          <p:spPr>
+            <a:xfrm>
+              <a:off x="-1" y="-1"/>
+              <a:ext cx="1270003" cy="1270003"/>
+            </a:xfrm>
+            <a:prstGeom prst="rect">
+              <a:avLst/>
+            </a:prstGeom>
+            <a:blipFill rotWithShape="1">
+              <a:blip r:embed="rId2"/>
+              <a:srcRect l="0" t="0" r="0" b="0"/>
+              <a:tile tx="0" ty="0" sx="100000" sy="100000" flip="none" algn="tl"/>
+            </a:blipFill>
+            <a:ln w="12700" cap="flat">
+              <a:noFill/>
+              <a:miter lim="400000"/>
+            </a:ln>
+            <a:effectLst>
+              <a:outerShdw sx="100000" sy="100000" kx="0" ky="0" algn="b" rotWithShape="0" blurRad="50800" dist="25400" dir="5400000">
+                <a:srgbClr val="000000">
+                  <a:alpha val="25000"/>
+                </a:srgbClr>
+              </a:outerShdw>
+            </a:effectLst>
+          </p:spPr>
+          <p:txBody>
+            <a:bodyPr wrap="square" lIns="50800" tIns="50800" rIns="50800" bIns="50800" numCol="1" anchor="ctr">
+              <a:noAutofit/>
+            </a:bodyPr>
+            <a:lstStyle/>
+            <a:p>
+              <a:pPr>
+                <a:defRPr sz="1800">
+                  <a:solidFill>
+                    <a:srgbClr val="FFFFFF"/>
+                  </a:solidFill>
+                  <a:effectLst>
+                    <a:outerShdw sx="100000" sy="100000" kx="0" ky="0" algn="b" rotWithShape="0" blurRad="76200" dist="12700" dir="5400000">
+                      <a:srgbClr val="000000">
+                        <a:alpha val="50000"/>
+                      </a:srgbClr>
+                    </a:outerShdw>
+                  </a:effectLst>
+                </a:defRPr>
+              </a:pPr>
+            </a:p>
+          </p:txBody>
+        </p:sp>
+        <p:sp>
+          <p:nvSpPr>
+            <p:cNvPr id="163" name="Takes attendance"/>
+            <p:cNvSpPr txBox="1"/>
+            <p:nvPr/>
+          </p:nvSpPr>
+          <p:spPr>
+            <a:xfrm>
+              <a:off x="-1" y="228600"/>
+              <a:ext cx="1270003" cy="812801"/>
+            </a:xfrm>
+            <a:prstGeom prst="rect">
+              <a:avLst/>
+            </a:prstGeom>
+            <a:noFill/>
+            <a:ln w="12700" cap="flat">
+              <a:noFill/>
+              <a:miter lim="400000"/>
+            </a:ln>
+            <a:effectLst/>
+            <a:extLst>
+              <a:ext uri="{C572A759-6A51-4108-AA02-DFA0A04FC94B}">
+                <ma14:wrappingTextBoxFlag xmlns:ma14="http://schemas.microsoft.com/office/mac/drawingml/2011/main" val="1"/>
+              </a:ext>
+            </a:extLst>
+          </p:spPr>
+          <p:txBody>
+            <a:bodyPr wrap="square" lIns="50800" tIns="50800" rIns="50800" bIns="50800" numCol="1" anchor="ctr">
+              <a:spAutoFit/>
+            </a:bodyPr>
+            <a:lstStyle>
+              <a:lvl1pPr>
+                <a:defRPr sz="1800">
+                  <a:solidFill>
+                    <a:srgbClr val="FFFFFF"/>
+                  </a:solidFill>
+                  <a:effectLst>
+                    <a:outerShdw sx="100000" sy="100000" kx="0" ky="0" algn="b" rotWithShape="0" blurRad="76200" dist="12700" dir="5400000">
+                      <a:srgbClr val="000000">
+                        <a:alpha val="50000"/>
+                      </a:srgbClr>
+                    </a:outerShdw>
+                  </a:effectLst>
+                </a:defRPr>
+              </a:lvl1pPr>
+            </a:lstStyle>
+            <a:p>
+              <a:pPr/>
+              <a:r>
+                <a:t>Takes attendance</a:t>
+              </a:r>
+            </a:p>
+          </p:txBody>
+        </p:sp>
+      </p:grpSp>
       <p:sp>
         <p:nvSpPr>
-          <p:cNvPr id="146" name="Takes attendance"/>
-          <p:cNvSpPr/>
-          <p:nvPr/>
-        </p:nvSpPr>
-        <p:spPr>
-          <a:xfrm>
-            <a:off x="6056238" y="1945740"/>
-            <a:ext cx="1270001" cy="1270001"/>
-          </a:xfrm>
-          <a:prstGeom prst="rect">
-            <a:avLst/>
-          </a:prstGeom>
-          <a:blipFill>
-            <a:blip r:embed="rId9"/>
-          </a:blipFill>
-          <a:ln w="12700">
-            <a:miter lim="400000"/>
-          </a:ln>
-          <a:effectLst>
-            <a:outerShdw sx="100000" sy="100000" kx="0" ky="0" algn="b" rotWithShape="0" blurRad="50800" dist="25400" dir="5400000">
-              <a:srgbClr val="000000">
-                <a:alpha val="25000"/>
-              </a:srgbClr>
-            </a:outerShdw>
-          </a:effectLst>
-          <a:extLst>
-            <a:ext uri="{C572A759-6A51-4108-AA02-DFA0A04FC94B}">
-              <ma14:wrappingTextBoxFlag xmlns:ma14="http://schemas.microsoft.com/office/mac/drawingml/2011/main" val="1"/>
-            </a:ext>
-          </a:extLst>
-        </p:spPr>
-        <p:txBody>
-          <a:bodyPr lIns="50800" tIns="50800" rIns="50800" bIns="50800" anchor="ctr"/>
-          <a:lstStyle>
-            <a:lvl1pPr>
-              <a:defRPr sz="1800">
-                <a:solidFill>
-                  <a:srgbClr val="FFFFFF"/>
-                </a:solidFill>
-                <a:effectLst>
-                  <a:outerShdw sx="100000" sy="100000" kx="0" ky="0" algn="b" rotWithShape="0" blurRad="76200" dist="12700" dir="5400000">
-                    <a:srgbClr val="000000">
-                      <a:alpha val="50000"/>
-                    </a:srgbClr>
-                  </a:outerShdw>
-                </a:effectLst>
-              </a:defRPr>
-            </a:lvl1pPr>
-          </a:lstStyle>
-          <a:p>
-            <a:pPr/>
-            <a:r>
-              <a:t>Takes attendance</a:t>
-            </a:r>
-          </a:p>
-        </p:txBody>
-      </p:sp>
-      <p:sp>
-        <p:nvSpPr>
-          <p:cNvPr id="147" name="Line"/>
+          <p:cNvPr id="165" name="Line"/>
           <p:cNvSpPr/>
           <p:nvPr/>
         </p:nvSpPr>
         <p:spPr>
           <a:xfrm>
             <a:off x="6691238" y="1342039"/>
-            <a:ext cx="1" cy="622695"/>
+            <a:ext cx="2" cy="622696"/>
           </a:xfrm>
           <a:prstGeom prst="line">
             <a:avLst/>
@@ -4469,25 +5027,23 @@
           </a:ln>
         </p:spPr>
         <p:txBody>
-          <a:bodyPr lIns="50800" tIns="50800" rIns="50800" bIns="50800" anchor="ctr"/>
+          <a:bodyPr lIns="45718" tIns="45718" rIns="45718" bIns="45718"/>
           <a:lstStyle/>
           <a:p>
-            <a:pPr>
-              <a:defRPr sz="3000"/>
-            </a:pPr>
+            <a:pPr/>
           </a:p>
         </p:txBody>
       </p:sp>
       <p:sp>
         <p:nvSpPr>
-          <p:cNvPr id="148" name="Line"/>
+          <p:cNvPr id="166" name="Line"/>
           <p:cNvSpPr/>
           <p:nvPr/>
         </p:nvSpPr>
         <p:spPr>
           <a:xfrm>
             <a:off x="8564364" y="7802998"/>
-            <a:ext cx="1" cy="785351"/>
+            <a:ext cx="2" cy="785352"/>
           </a:xfrm>
           <a:prstGeom prst="line">
             <a:avLst/>
@@ -4501,83 +5057,145 @@
           </a:ln>
         </p:spPr>
         <p:txBody>
-          <a:bodyPr lIns="50800" tIns="50800" rIns="50800" bIns="50800" anchor="ctr"/>
+          <a:bodyPr lIns="45718" tIns="45718" rIns="45718" bIns="45718"/>
           <a:lstStyle/>
           <a:p>
-            <a:pPr>
-              <a:defRPr sz="3000"/>
-            </a:pPr>
+            <a:pPr/>
           </a:p>
         </p:txBody>
       </p:sp>
+      <p:grpSp>
+        <p:nvGrpSpPr>
+          <p:cNvPr id="169" name="Display graph to teachers and admin"/>
+          <p:cNvGrpSpPr/>
+          <p:nvPr/>
+        </p:nvGrpSpPr>
+        <p:grpSpPr>
+          <a:xfrm>
+            <a:off x="7353303" y="8542746"/>
+            <a:ext cx="2422122" cy="1090521"/>
+            <a:chOff x="0" y="0"/>
+            <a:chExt cx="2422121" cy="1090520"/>
+          </a:xfrm>
+        </p:grpSpPr>
+        <p:sp>
+          <p:nvSpPr>
+            <p:cNvPr id="167" name="Rectangle"/>
+            <p:cNvSpPr/>
+            <p:nvPr/>
+          </p:nvSpPr>
+          <p:spPr>
+            <a:xfrm>
+              <a:off x="0" y="-1"/>
+              <a:ext cx="2422122" cy="1090522"/>
+            </a:xfrm>
+            <a:prstGeom prst="rect">
+              <a:avLst/>
+            </a:prstGeom>
+            <a:blipFill rotWithShape="1">
+              <a:blip r:embed="rId2"/>
+              <a:srcRect l="0" t="0" r="0" b="0"/>
+              <a:tile tx="0" ty="0" sx="100000" sy="100000" flip="none" algn="tl"/>
+            </a:blipFill>
+            <a:ln w="12700" cap="flat">
+              <a:noFill/>
+              <a:miter lim="400000"/>
+            </a:ln>
+            <a:effectLst>
+              <a:outerShdw sx="100000" sy="100000" kx="0" ky="0" algn="b" rotWithShape="0" blurRad="50800" dist="25400" dir="5400000">
+                <a:srgbClr val="000000">
+                  <a:alpha val="25000"/>
+                </a:srgbClr>
+              </a:outerShdw>
+            </a:effectLst>
+          </p:spPr>
+          <p:txBody>
+            <a:bodyPr wrap="square" lIns="50800" tIns="50800" rIns="50800" bIns="50800" numCol="1" anchor="ctr">
+              <a:noAutofit/>
+            </a:bodyPr>
+            <a:lstStyle/>
+            <a:p>
+              <a:pPr>
+                <a:defRPr sz="2000">
+                  <a:solidFill>
+                    <a:srgbClr val="FFFFFF"/>
+                  </a:solidFill>
+                  <a:effectLst>
+                    <a:outerShdw sx="100000" sy="100000" kx="0" ky="0" algn="b" rotWithShape="0" blurRad="76200" dist="12700" dir="5400000">
+                      <a:srgbClr val="000000">
+                        <a:alpha val="50000"/>
+                      </a:srgbClr>
+                    </a:outerShdw>
+                  </a:effectLst>
+                </a:defRPr>
+              </a:pPr>
+            </a:p>
+          </p:txBody>
+        </p:sp>
+        <p:sp>
+          <p:nvSpPr>
+            <p:cNvPr id="168" name="Display graph to teachers and admin"/>
+            <p:cNvSpPr txBox="1"/>
+            <p:nvPr/>
+          </p:nvSpPr>
+          <p:spPr>
+            <a:xfrm>
+              <a:off x="0" y="100760"/>
+              <a:ext cx="2422122" cy="889001"/>
+            </a:xfrm>
+            <a:prstGeom prst="rect">
+              <a:avLst/>
+            </a:prstGeom>
+            <a:noFill/>
+            <a:ln w="12700" cap="flat">
+              <a:noFill/>
+              <a:miter lim="400000"/>
+            </a:ln>
+            <a:effectLst/>
+            <a:extLst>
+              <a:ext uri="{C572A759-6A51-4108-AA02-DFA0A04FC94B}">
+                <ma14:wrappingTextBoxFlag xmlns:ma14="http://schemas.microsoft.com/office/mac/drawingml/2011/main" val="1"/>
+              </a:ext>
+            </a:extLst>
+          </p:spPr>
+          <p:txBody>
+            <a:bodyPr wrap="square" lIns="50800" tIns="50800" rIns="50800" bIns="50800" numCol="1" anchor="ctr">
+              <a:spAutoFit/>
+            </a:bodyPr>
+            <a:lstStyle>
+              <a:lvl1pPr>
+                <a:defRPr sz="2000">
+                  <a:solidFill>
+                    <a:srgbClr val="FFFFFF"/>
+                  </a:solidFill>
+                  <a:effectLst>
+                    <a:outerShdw sx="100000" sy="100000" kx="0" ky="0" algn="b" rotWithShape="0" blurRad="76200" dist="12700" dir="5400000">
+                      <a:srgbClr val="000000">
+                        <a:alpha val="50000"/>
+                      </a:srgbClr>
+                    </a:outerShdw>
+                  </a:effectLst>
+                </a:defRPr>
+              </a:lvl1pPr>
+            </a:lstStyle>
+            <a:p>
+              <a:pPr/>
+              <a:r>
+                <a:t>Display graph to teachers and admin</a:t>
+              </a:r>
+            </a:p>
+          </p:txBody>
+        </p:sp>
+      </p:grpSp>
       <p:sp>
         <p:nvSpPr>
-          <p:cNvPr id="149" name="Display graph to teachers and admin"/>
-          <p:cNvSpPr/>
-          <p:nvPr/>
-        </p:nvSpPr>
-        <p:spPr>
-          <a:xfrm>
-            <a:off x="7353303" y="8542747"/>
-            <a:ext cx="2422122" cy="1090520"/>
-          </a:xfrm>
-          <a:prstGeom prst="rect">
-            <a:avLst/>
-          </a:prstGeom>
-          <a:blipFill>
-            <a:blip r:embed="rId10"/>
-          </a:blipFill>
-          <a:ln w="12700">
-            <a:miter lim="400000"/>
-          </a:ln>
-          <a:effectLst>
-            <a:outerShdw sx="100000" sy="100000" kx="0" ky="0" algn="b" rotWithShape="0" blurRad="50800" dist="25400" dir="5400000">
-              <a:srgbClr val="000000">
-                <a:alpha val="25000"/>
-              </a:srgbClr>
-            </a:outerShdw>
-          </a:effectLst>
-          <a:extLst>
-            <a:ext uri="{C572A759-6A51-4108-AA02-DFA0A04FC94B}">
-              <ma14:wrappingTextBoxFlag xmlns:ma14="http://schemas.microsoft.com/office/mac/drawingml/2011/main" val="1"/>
-            </a:ext>
-          </a:extLst>
-        </p:spPr>
-        <p:txBody>
-          <a:bodyPr lIns="50800" tIns="50800" rIns="50800" bIns="50800" anchor="ctr"/>
-          <a:lstStyle>
-            <a:lvl1pPr>
-              <a:defRPr sz="2000">
-                <a:solidFill>
-                  <a:srgbClr val="FFFFFF"/>
-                </a:solidFill>
-                <a:effectLst>
-                  <a:outerShdw sx="100000" sy="100000" kx="0" ky="0" algn="b" rotWithShape="0" blurRad="76200" dist="12700" dir="5400000">
-                    <a:srgbClr val="000000">
-                      <a:alpha val="50000"/>
-                    </a:srgbClr>
-                  </a:outerShdw>
-                </a:effectLst>
-              </a:defRPr>
-            </a:lvl1pPr>
-          </a:lstStyle>
-          <a:p>
-            <a:pPr/>
-            <a:r>
-              <a:t>Display graph to teachers and admin</a:t>
-            </a:r>
-          </a:p>
-        </p:txBody>
-      </p:sp>
-      <p:sp>
-        <p:nvSpPr>
-          <p:cNvPr id="150" name="https:/www/github.com/souravyuvrajj/project-RAFC"/>
+          <p:cNvPr id="170" name="https:/www/github.com/souravyuvrajj/project-RAFC"/>
           <p:cNvSpPr txBox="1"/>
           <p:nvPr/>
         </p:nvSpPr>
         <p:spPr>
           <a:xfrm>
-            <a:off x="15610" y="9197251"/>
+            <a:off x="15609" y="9197251"/>
             <a:ext cx="6173466" cy="495301"/>
           </a:xfrm>
           <a:prstGeom prst="rect">
@@ -4629,10 +5247,10 @@
         <a:srgbClr val="24383E"/>
       </a:lt1>
       <a:dk2>
-        <a:srgbClr val="5C5E5F"/>
+        <a:srgbClr val="A7A7A7"/>
       </a:dk2>
       <a:lt2>
-        <a:srgbClr val="CBCBCB"/>
+        <a:srgbClr val="535353"/>
       </a:lt2>
       <a:accent1>
         <a:srgbClr val="738CAB"/>
@@ -4661,14 +5279,14 @@
     </a:clrScheme>
     <a:fontScheme name="Parchment">
       <a:majorFont>
-        <a:latin typeface="Papyrus"/>
-        <a:ea typeface="Papyrus"/>
-        <a:cs typeface="Papyrus"/>
+        <a:latin typeface="Helvetica Neue"/>
+        <a:ea typeface="Helvetica Neue"/>
+        <a:cs typeface="Helvetica Neue"/>
       </a:majorFont>
       <a:minorFont>
-        <a:latin typeface="Papyrus"/>
-        <a:ea typeface="Papyrus"/>
-        <a:cs typeface="Papyrus"/>
+        <a:latin typeface="Helvetica"/>
+        <a:ea typeface="Helvetica"/>
+        <a:cs typeface="Helvetica"/>
       </a:minorFont>
     </a:fontScheme>
     <a:fmtScheme name="Parchment">
@@ -4826,14 +5444,15 @@
   <a:objectDefaults>
     <a:spDef>
       <a:spPr>
-        <a:blipFill rotWithShape="1">
-          <a:blip r:embed="rId1"/>
-          <a:srcRect l="0" t="0" r="0" b="0"/>
-          <a:tile tx="0" ty="0" sx="100000" sy="100000" flip="none" algn="tl"/>
-        </a:blipFill>
-        <a:ln w="12700" cap="flat">
-          <a:noFill/>
-          <a:miter lim="400000"/>
+        <a:solidFill>
+          <a:srgbClr val="24383E"/>
+        </a:solidFill>
+        <a:ln w="25400" cap="flat">
+          <a:solidFill>
+            <a:schemeClr val="accent1"/>
+          </a:solidFill>
+          <a:prstDash val="solid"/>
+          <a:round/>
         </a:ln>
         <a:effectLst>
           <a:outerShdw sx="100000" sy="100000" kx="0" ky="0" algn="b" rotWithShape="0" blurRad="50800" dist="25400" dir="5400000">
@@ -4863,24 +5482,18 @@
           <a:buFontTx/>
           <a:buNone/>
           <a:tabLst/>
-          <a:defRPr b="0" baseline="0" cap="none" i="0" spc="0" strike="noStrike" sz="3000" u="none" kumimoji="0" normalizeH="0">
+          <a:defRPr b="0" baseline="0" cap="none" i="0" spc="0" strike="noStrike" sz="3600" u="none" kumimoji="0" normalizeH="0">
             <a:ln>
               <a:noFill/>
             </a:ln>
             <a:solidFill>
-              <a:srgbClr val="FFFFFF"/>
+              <a:srgbClr val="3E231A"/>
             </a:solidFill>
-            <a:effectLst>
-              <a:outerShdw sx="100000" sy="100000" kx="0" ky="0" algn="b" rotWithShape="0" blurRad="76200" dist="12700" dir="5400000">
-                <a:srgbClr val="000000">
-                  <a:alpha val="50000"/>
-                </a:srgbClr>
-              </a:outerShdw>
-            </a:effectLst>
+            <a:effectLst/>
             <a:uFillTx/>
-            <a:latin typeface="+mn-lt"/>
-            <a:ea typeface="+mn-ea"/>
-            <a:cs typeface="+mn-cs"/>
+            <a:latin typeface="Papyrus"/>
+            <a:ea typeface="Papyrus"/>
+            <a:cs typeface="Papyrus"/>
             <a:sym typeface="Papyrus"/>
           </a:defRPr>
         </a:defPPr>
@@ -5129,14 +5742,20 @@
     <a:lnDef>
       <a:spPr>
         <a:noFill/>
-        <a:ln w="38100" cap="flat">
+        <a:ln w="25400" cap="flat">
           <a:solidFill>
-            <a:srgbClr val="3E231A"/>
+            <a:schemeClr val="accent1"/>
           </a:solidFill>
           <a:prstDash val="solid"/>
-          <a:miter lim="400000"/>
+          <a:round/>
         </a:ln>
-        <a:effectLst/>
+        <a:effectLst>
+          <a:outerShdw sx="100000" sy="100000" kx="0" ky="0" algn="b" rotWithShape="0" blurRad="50800" dist="25400" dir="5400000">
+            <a:srgbClr val="000000">
+              <a:alpha val="25000"/>
+            </a:srgbClr>
+          </a:outerShdw>
+        </a:effectLst>
         <a:sp3d/>
       </a:spPr>
       <a:bodyPr rot="0" spcFirstLastPara="1" vertOverflow="overflow" horzOverflow="overflow" vert="horz" wrap="square" lIns="91439" tIns="45719" rIns="91439" bIns="45719" numCol="1" spcCol="38100" rtlCol="0" anchor="t" upright="0">
@@ -5449,9 +6068,9 @@
             </a:solidFill>
             <a:effectLst/>
             <a:uFillTx/>
-            <a:latin typeface="+mn-lt"/>
-            <a:ea typeface="+mn-ea"/>
-            <a:cs typeface="+mn-cs"/>
+            <a:latin typeface="Papyrus"/>
+            <a:ea typeface="Papyrus"/>
+            <a:cs typeface="Papyrus"/>
             <a:sym typeface="Papyrus"/>
           </a:defRPr>
         </a:defPPr>
@@ -5712,10 +6331,10 @@
         <a:srgbClr val="FFFFFF"/>
       </a:lt1>
       <a:dk2>
-        <a:srgbClr val="5C5E5F"/>
+        <a:srgbClr val="A7A7A7"/>
       </a:dk2>
       <a:lt2>
-        <a:srgbClr val="CBCBCB"/>
+        <a:srgbClr val="535353"/>
       </a:lt2>
       <a:accent1>
         <a:srgbClr val="738CAB"/>
@@ -5744,14 +6363,14 @@
     </a:clrScheme>
     <a:fontScheme name="Parchment">
       <a:majorFont>
-        <a:latin typeface="Papyrus"/>
-        <a:ea typeface="Papyrus"/>
-        <a:cs typeface="Papyrus"/>
+        <a:latin typeface="Helvetica Neue"/>
+        <a:ea typeface="Helvetica Neue"/>
+        <a:cs typeface="Helvetica Neue"/>
       </a:majorFont>
       <a:minorFont>
-        <a:latin typeface="Papyrus"/>
-        <a:ea typeface="Papyrus"/>
-        <a:cs typeface="Papyrus"/>
+        <a:latin typeface="Helvetica"/>
+        <a:ea typeface="Helvetica"/>
+        <a:cs typeface="Helvetica"/>
       </a:minorFont>
     </a:fontScheme>
     <a:fmtScheme name="Parchment">
@@ -5909,14 +6528,15 @@
   <a:objectDefaults>
     <a:spDef>
       <a:spPr>
-        <a:blipFill rotWithShape="1">
-          <a:blip r:embed="rId1"/>
-          <a:srcRect l="0" t="0" r="0" b="0"/>
-          <a:tile tx="0" ty="0" sx="100000" sy="100000" flip="none" algn="tl"/>
-        </a:blipFill>
-        <a:ln w="12700" cap="flat">
-          <a:noFill/>
-          <a:miter lim="400000"/>
+        <a:solidFill>
+          <a:srgbClr val="24383E"/>
+        </a:solidFill>
+        <a:ln w="25400" cap="flat">
+          <a:solidFill>
+            <a:schemeClr val="accent1"/>
+          </a:solidFill>
+          <a:prstDash val="solid"/>
+          <a:round/>
         </a:ln>
         <a:effectLst>
           <a:outerShdw sx="100000" sy="100000" kx="0" ky="0" algn="b" rotWithShape="0" blurRad="50800" dist="25400" dir="5400000">
@@ -5946,24 +6566,18 @@
           <a:buFontTx/>
           <a:buNone/>
           <a:tabLst/>
-          <a:defRPr b="0" baseline="0" cap="none" i="0" spc="0" strike="noStrike" sz="3000" u="none" kumimoji="0" normalizeH="0">
+          <a:defRPr b="0" baseline="0" cap="none" i="0" spc="0" strike="noStrike" sz="3600" u="none" kumimoji="0" normalizeH="0">
             <a:ln>
               <a:noFill/>
             </a:ln>
             <a:solidFill>
-              <a:srgbClr val="FFFFFF"/>
+              <a:srgbClr val="3E231A"/>
             </a:solidFill>
-            <a:effectLst>
-              <a:outerShdw sx="100000" sy="100000" kx="0" ky="0" algn="b" rotWithShape="0" blurRad="76200" dist="12700" dir="5400000">
-                <a:srgbClr val="000000">
-                  <a:alpha val="50000"/>
-                </a:srgbClr>
-              </a:outerShdw>
-            </a:effectLst>
+            <a:effectLst/>
             <a:uFillTx/>
-            <a:latin typeface="+mn-lt"/>
-            <a:ea typeface="+mn-ea"/>
-            <a:cs typeface="+mn-cs"/>
+            <a:latin typeface="Papyrus"/>
+            <a:ea typeface="Papyrus"/>
+            <a:cs typeface="Papyrus"/>
             <a:sym typeface="Papyrus"/>
           </a:defRPr>
         </a:defPPr>
@@ -6212,14 +6826,20 @@
     <a:lnDef>
       <a:spPr>
         <a:noFill/>
-        <a:ln w="38100" cap="flat">
+        <a:ln w="25400" cap="flat">
           <a:solidFill>
-            <a:srgbClr val="3E231A"/>
+            <a:schemeClr val="accent1"/>
           </a:solidFill>
           <a:prstDash val="solid"/>
-          <a:miter lim="400000"/>
+          <a:round/>
         </a:ln>
-        <a:effectLst/>
+        <a:effectLst>
+          <a:outerShdw sx="100000" sy="100000" kx="0" ky="0" algn="b" rotWithShape="0" blurRad="50800" dist="25400" dir="5400000">
+            <a:srgbClr val="000000">
+              <a:alpha val="25000"/>
+            </a:srgbClr>
+          </a:outerShdw>
+        </a:effectLst>
         <a:sp3d/>
       </a:spPr>
       <a:bodyPr rot="0" spcFirstLastPara="1" vertOverflow="overflow" horzOverflow="overflow" vert="horz" wrap="square" lIns="91439" tIns="45719" rIns="91439" bIns="45719" numCol="1" spcCol="38100" rtlCol="0" anchor="t" upright="0">
@@ -6532,9 +7152,9 @@
             </a:solidFill>
             <a:effectLst/>
             <a:uFillTx/>
-            <a:latin typeface="+mn-lt"/>
-            <a:ea typeface="+mn-ea"/>
-            <a:cs typeface="+mn-cs"/>
+            <a:latin typeface="Papyrus"/>
+            <a:ea typeface="Papyrus"/>
+            <a:cs typeface="Papyrus"/>
             <a:sym typeface="Papyrus"/>
           </a:defRPr>
         </a:defPPr>
